--- a/CSE2010 Advanced C programming/Reference Materials/7_Memory allocation.pptx
+++ b/CSE2010 Advanced C programming/Reference Materials/7_Memory allocation.pptx
@@ -113,6 +113,22 @@
       </a:defRPr>
     </a:lvl9pPr>
   </p:defaultTextStyle>
+  <p:extLst>
+    <p:ext uri="{EFAFB233-063F-42B5-8137-9DF3F51BA10A}">
+      <p15:sldGuideLst xmlns:p15="http://schemas.microsoft.com/office/powerpoint/2012/main">
+        <p15:guide id="1" orient="horz" pos="2160">
+          <p15:clr>
+            <a:srgbClr val="A4A3A4"/>
+          </p15:clr>
+        </p15:guide>
+        <p15:guide id="2" pos="2880">
+          <p15:clr>
+            <a:srgbClr val="A4A3A4"/>
+          </p15:clr>
+        </p15:guide>
+      </p15:sldGuideLst>
+    </p:ext>
+  </p:extLst>
 </p:presentation>
 </file>
 
@@ -154,7 +170,7 @@
           <a:lstStyle/>
           <a:p>
             <a:r>
-              <a:rPr lang="en-US" smtClean="0"/>
+              <a:rPr lang="en-US"/>
               <a:t>Click to edit Master title style</a:t>
             </a:r>
             <a:endParaRPr lang="en-IN"/>
@@ -273,7 +289,7 @@
           </a:lstStyle>
           <a:p>
             <a:r>
-              <a:rPr lang="en-US" smtClean="0"/>
+              <a:rPr lang="en-US"/>
               <a:t>Click to edit Master subtitle style</a:t>
             </a:r>
             <a:endParaRPr lang="en-IN"/>
@@ -297,7 +313,7 @@
           <a:p>
             <a:fld id="{9CDF3A37-06D5-4F3F-AD9D-50083676AFA6}" type="datetimeFigureOut">
               <a:rPr lang="en-IN" smtClean="0"/>
-              <a:t>28-02-2021</a:t>
+              <a:t>12-06-2021</a:t>
             </a:fld>
             <a:endParaRPr lang="en-IN"/>
           </a:p>
@@ -391,7 +407,7 @@
           <a:lstStyle/>
           <a:p>
             <a:r>
-              <a:rPr lang="en-US" smtClean="0"/>
+              <a:rPr lang="en-US"/>
               <a:t>Click to edit Master title style</a:t>
             </a:r>
             <a:endParaRPr lang="en-IN"/>
@@ -415,35 +431,35 @@
           <a:p>
             <a:pPr lvl="0"/>
             <a:r>
-              <a:rPr lang="en-US" smtClean="0"/>
+              <a:rPr lang="en-US"/>
               <a:t>Click to edit Master text styles</a:t>
             </a:r>
           </a:p>
           <a:p>
             <a:pPr lvl="1"/>
             <a:r>
-              <a:rPr lang="en-US" smtClean="0"/>
+              <a:rPr lang="en-US"/>
               <a:t>Second level</a:t>
             </a:r>
           </a:p>
           <a:p>
             <a:pPr lvl="2"/>
             <a:r>
-              <a:rPr lang="en-US" smtClean="0"/>
+              <a:rPr lang="en-US"/>
               <a:t>Third level</a:t>
             </a:r>
           </a:p>
           <a:p>
             <a:pPr lvl="3"/>
             <a:r>
-              <a:rPr lang="en-US" smtClean="0"/>
+              <a:rPr lang="en-US"/>
               <a:t>Fourth level</a:t>
             </a:r>
           </a:p>
           <a:p>
             <a:pPr lvl="4"/>
             <a:r>
-              <a:rPr lang="en-US" smtClean="0"/>
+              <a:rPr lang="en-US"/>
               <a:t>Fifth level</a:t>
             </a:r>
             <a:endParaRPr lang="en-IN"/>
@@ -467,7 +483,7 @@
           <a:p>
             <a:fld id="{9CDF3A37-06D5-4F3F-AD9D-50083676AFA6}" type="datetimeFigureOut">
               <a:rPr lang="en-IN" smtClean="0"/>
-              <a:t>28-02-2021</a:t>
+              <a:t>12-06-2021</a:t>
             </a:fld>
             <a:endParaRPr lang="en-IN"/>
           </a:p>
@@ -566,7 +582,7 @@
           <a:lstStyle/>
           <a:p>
             <a:r>
-              <a:rPr lang="en-US" smtClean="0"/>
+              <a:rPr lang="en-US"/>
               <a:t>Click to edit Master title style</a:t>
             </a:r>
             <a:endParaRPr lang="en-IN"/>
@@ -595,35 +611,35 @@
           <a:p>
             <a:pPr lvl="0"/>
             <a:r>
-              <a:rPr lang="en-US" smtClean="0"/>
+              <a:rPr lang="en-US"/>
               <a:t>Click to edit Master text styles</a:t>
             </a:r>
           </a:p>
           <a:p>
             <a:pPr lvl="1"/>
             <a:r>
-              <a:rPr lang="en-US" smtClean="0"/>
+              <a:rPr lang="en-US"/>
               <a:t>Second level</a:t>
             </a:r>
           </a:p>
           <a:p>
             <a:pPr lvl="2"/>
             <a:r>
-              <a:rPr lang="en-US" smtClean="0"/>
+              <a:rPr lang="en-US"/>
               <a:t>Third level</a:t>
             </a:r>
           </a:p>
           <a:p>
             <a:pPr lvl="3"/>
             <a:r>
-              <a:rPr lang="en-US" smtClean="0"/>
+              <a:rPr lang="en-US"/>
               <a:t>Fourth level</a:t>
             </a:r>
           </a:p>
           <a:p>
             <a:pPr lvl="4"/>
             <a:r>
-              <a:rPr lang="en-US" smtClean="0"/>
+              <a:rPr lang="en-US"/>
               <a:t>Fifth level</a:t>
             </a:r>
             <a:endParaRPr lang="en-IN"/>
@@ -647,7 +663,7 @@
           <a:p>
             <a:fld id="{9CDF3A37-06D5-4F3F-AD9D-50083676AFA6}" type="datetimeFigureOut">
               <a:rPr lang="en-IN" smtClean="0"/>
-              <a:t>28-02-2021</a:t>
+              <a:t>12-06-2021</a:t>
             </a:fld>
             <a:endParaRPr lang="en-IN"/>
           </a:p>
@@ -741,7 +757,7 @@
           <a:lstStyle/>
           <a:p>
             <a:r>
-              <a:rPr lang="en-US" smtClean="0"/>
+              <a:rPr lang="en-US"/>
               <a:t>Click to edit Master title style</a:t>
             </a:r>
             <a:endParaRPr lang="en-IN"/>
@@ -765,35 +781,35 @@
           <a:p>
             <a:pPr lvl="0"/>
             <a:r>
-              <a:rPr lang="en-US" smtClean="0"/>
+              <a:rPr lang="en-US"/>
               <a:t>Click to edit Master text styles</a:t>
             </a:r>
           </a:p>
           <a:p>
             <a:pPr lvl="1"/>
             <a:r>
-              <a:rPr lang="en-US" smtClean="0"/>
+              <a:rPr lang="en-US"/>
               <a:t>Second level</a:t>
             </a:r>
           </a:p>
           <a:p>
             <a:pPr lvl="2"/>
             <a:r>
-              <a:rPr lang="en-US" smtClean="0"/>
+              <a:rPr lang="en-US"/>
               <a:t>Third level</a:t>
             </a:r>
           </a:p>
           <a:p>
             <a:pPr lvl="3"/>
             <a:r>
-              <a:rPr lang="en-US" smtClean="0"/>
+              <a:rPr lang="en-US"/>
               <a:t>Fourth level</a:t>
             </a:r>
           </a:p>
           <a:p>
             <a:pPr lvl="4"/>
             <a:r>
-              <a:rPr lang="en-US" smtClean="0"/>
+              <a:rPr lang="en-US"/>
               <a:t>Fifth level</a:t>
             </a:r>
             <a:endParaRPr lang="en-IN"/>
@@ -817,7 +833,7 @@
           <a:p>
             <a:fld id="{9CDF3A37-06D5-4F3F-AD9D-50083676AFA6}" type="datetimeFigureOut">
               <a:rPr lang="en-IN" smtClean="0"/>
-              <a:t>28-02-2021</a:t>
+              <a:t>12-06-2021</a:t>
             </a:fld>
             <a:endParaRPr lang="en-IN"/>
           </a:p>
@@ -920,7 +936,7 @@
           </a:lstStyle>
           <a:p>
             <a:r>
-              <a:rPr lang="en-US" smtClean="0"/>
+              <a:rPr lang="en-US"/>
               <a:t>Click to edit Master title style</a:t>
             </a:r>
             <a:endParaRPr lang="en-IN"/>
@@ -1040,7 +1056,7 @@
           <a:p>
             <a:pPr lvl="0"/>
             <a:r>
-              <a:rPr lang="en-US" smtClean="0"/>
+              <a:rPr lang="en-US"/>
               <a:t>Click to edit Master text styles</a:t>
             </a:r>
           </a:p>
@@ -1063,7 +1079,7 @@
           <a:p>
             <a:fld id="{9CDF3A37-06D5-4F3F-AD9D-50083676AFA6}" type="datetimeFigureOut">
               <a:rPr lang="en-IN" smtClean="0"/>
-              <a:t>28-02-2021</a:t>
+              <a:t>12-06-2021</a:t>
             </a:fld>
             <a:endParaRPr lang="en-IN"/>
           </a:p>
@@ -1157,7 +1173,7 @@
           <a:lstStyle/>
           <a:p>
             <a:r>
-              <a:rPr lang="en-US" smtClean="0"/>
+              <a:rPr lang="en-US"/>
               <a:t>Click to edit Master title style</a:t>
             </a:r>
             <a:endParaRPr lang="en-IN"/>
@@ -1214,35 +1230,35 @@
           <a:p>
             <a:pPr lvl="0"/>
             <a:r>
-              <a:rPr lang="en-US" smtClean="0"/>
+              <a:rPr lang="en-US"/>
               <a:t>Click to edit Master text styles</a:t>
             </a:r>
           </a:p>
           <a:p>
             <a:pPr lvl="1"/>
             <a:r>
-              <a:rPr lang="en-US" smtClean="0"/>
+              <a:rPr lang="en-US"/>
               <a:t>Second level</a:t>
             </a:r>
           </a:p>
           <a:p>
             <a:pPr lvl="2"/>
             <a:r>
-              <a:rPr lang="en-US" smtClean="0"/>
+              <a:rPr lang="en-US"/>
               <a:t>Third level</a:t>
             </a:r>
           </a:p>
           <a:p>
             <a:pPr lvl="3"/>
             <a:r>
-              <a:rPr lang="en-US" smtClean="0"/>
+              <a:rPr lang="en-US"/>
               <a:t>Fourth level</a:t>
             </a:r>
           </a:p>
           <a:p>
             <a:pPr lvl="4"/>
             <a:r>
-              <a:rPr lang="en-US" smtClean="0"/>
+              <a:rPr lang="en-US"/>
               <a:t>Fifth level</a:t>
             </a:r>
             <a:endParaRPr lang="en-IN"/>
@@ -1299,35 +1315,35 @@
           <a:p>
             <a:pPr lvl="0"/>
             <a:r>
-              <a:rPr lang="en-US" smtClean="0"/>
+              <a:rPr lang="en-US"/>
               <a:t>Click to edit Master text styles</a:t>
             </a:r>
           </a:p>
           <a:p>
             <a:pPr lvl="1"/>
             <a:r>
-              <a:rPr lang="en-US" smtClean="0"/>
+              <a:rPr lang="en-US"/>
               <a:t>Second level</a:t>
             </a:r>
           </a:p>
           <a:p>
             <a:pPr lvl="2"/>
             <a:r>
-              <a:rPr lang="en-US" smtClean="0"/>
+              <a:rPr lang="en-US"/>
               <a:t>Third level</a:t>
             </a:r>
           </a:p>
           <a:p>
             <a:pPr lvl="3"/>
             <a:r>
-              <a:rPr lang="en-US" smtClean="0"/>
+              <a:rPr lang="en-US"/>
               <a:t>Fourth level</a:t>
             </a:r>
           </a:p>
           <a:p>
             <a:pPr lvl="4"/>
             <a:r>
-              <a:rPr lang="en-US" smtClean="0"/>
+              <a:rPr lang="en-US"/>
               <a:t>Fifth level</a:t>
             </a:r>
             <a:endParaRPr lang="en-IN"/>
@@ -1351,7 +1367,7 @@
           <a:p>
             <a:fld id="{9CDF3A37-06D5-4F3F-AD9D-50083676AFA6}" type="datetimeFigureOut">
               <a:rPr lang="en-IN" smtClean="0"/>
-              <a:t>28-02-2021</a:t>
+              <a:t>12-06-2021</a:t>
             </a:fld>
             <a:endParaRPr lang="en-IN"/>
           </a:p>
@@ -1449,7 +1465,7 @@
           </a:lstStyle>
           <a:p>
             <a:r>
-              <a:rPr lang="en-US" smtClean="0"/>
+              <a:rPr lang="en-US"/>
               <a:t>Click to edit Master title style</a:t>
             </a:r>
             <a:endParaRPr lang="en-IN"/>
@@ -1515,7 +1531,7 @@
           <a:p>
             <a:pPr lvl="0"/>
             <a:r>
-              <a:rPr lang="en-US" smtClean="0"/>
+              <a:rPr lang="en-US"/>
               <a:t>Click to edit Master text styles</a:t>
             </a:r>
           </a:p>
@@ -1571,35 +1587,35 @@
           <a:p>
             <a:pPr lvl="0"/>
             <a:r>
-              <a:rPr lang="en-US" smtClean="0"/>
+              <a:rPr lang="en-US"/>
               <a:t>Click to edit Master text styles</a:t>
             </a:r>
           </a:p>
           <a:p>
             <a:pPr lvl="1"/>
             <a:r>
-              <a:rPr lang="en-US" smtClean="0"/>
+              <a:rPr lang="en-US"/>
               <a:t>Second level</a:t>
             </a:r>
           </a:p>
           <a:p>
             <a:pPr lvl="2"/>
             <a:r>
-              <a:rPr lang="en-US" smtClean="0"/>
+              <a:rPr lang="en-US"/>
               <a:t>Third level</a:t>
             </a:r>
           </a:p>
           <a:p>
             <a:pPr lvl="3"/>
             <a:r>
-              <a:rPr lang="en-US" smtClean="0"/>
+              <a:rPr lang="en-US"/>
               <a:t>Fourth level</a:t>
             </a:r>
           </a:p>
           <a:p>
             <a:pPr lvl="4"/>
             <a:r>
-              <a:rPr lang="en-US" smtClean="0"/>
+              <a:rPr lang="en-US"/>
               <a:t>Fifth level</a:t>
             </a:r>
             <a:endParaRPr lang="en-IN"/>
@@ -1665,7 +1681,7 @@
           <a:p>
             <a:pPr lvl="0"/>
             <a:r>
-              <a:rPr lang="en-US" smtClean="0"/>
+              <a:rPr lang="en-US"/>
               <a:t>Click to edit Master text styles</a:t>
             </a:r>
           </a:p>
@@ -1721,35 +1737,35 @@
           <a:p>
             <a:pPr lvl="0"/>
             <a:r>
-              <a:rPr lang="en-US" smtClean="0"/>
+              <a:rPr lang="en-US"/>
               <a:t>Click to edit Master text styles</a:t>
             </a:r>
           </a:p>
           <a:p>
             <a:pPr lvl="1"/>
             <a:r>
-              <a:rPr lang="en-US" smtClean="0"/>
+              <a:rPr lang="en-US"/>
               <a:t>Second level</a:t>
             </a:r>
           </a:p>
           <a:p>
             <a:pPr lvl="2"/>
             <a:r>
-              <a:rPr lang="en-US" smtClean="0"/>
+              <a:rPr lang="en-US"/>
               <a:t>Third level</a:t>
             </a:r>
           </a:p>
           <a:p>
             <a:pPr lvl="3"/>
             <a:r>
-              <a:rPr lang="en-US" smtClean="0"/>
+              <a:rPr lang="en-US"/>
               <a:t>Fourth level</a:t>
             </a:r>
           </a:p>
           <a:p>
             <a:pPr lvl="4"/>
             <a:r>
-              <a:rPr lang="en-US" smtClean="0"/>
+              <a:rPr lang="en-US"/>
               <a:t>Fifth level</a:t>
             </a:r>
             <a:endParaRPr lang="en-IN"/>
@@ -1773,7 +1789,7 @@
           <a:p>
             <a:fld id="{9CDF3A37-06D5-4F3F-AD9D-50083676AFA6}" type="datetimeFigureOut">
               <a:rPr lang="en-IN" smtClean="0"/>
-              <a:t>28-02-2021</a:t>
+              <a:t>12-06-2021</a:t>
             </a:fld>
             <a:endParaRPr lang="en-IN"/>
           </a:p>
@@ -1867,7 +1883,7 @@
           <a:lstStyle/>
           <a:p>
             <a:r>
-              <a:rPr lang="en-US" smtClean="0"/>
+              <a:rPr lang="en-US"/>
               <a:t>Click to edit Master title style</a:t>
             </a:r>
             <a:endParaRPr lang="en-IN"/>
@@ -1891,7 +1907,7 @@
           <a:p>
             <a:fld id="{9CDF3A37-06D5-4F3F-AD9D-50083676AFA6}" type="datetimeFigureOut">
               <a:rPr lang="en-IN" smtClean="0"/>
-              <a:t>28-02-2021</a:t>
+              <a:t>12-06-2021</a:t>
             </a:fld>
             <a:endParaRPr lang="en-IN"/>
           </a:p>
@@ -1986,7 +2002,7 @@
           <a:p>
             <a:fld id="{9CDF3A37-06D5-4F3F-AD9D-50083676AFA6}" type="datetimeFigureOut">
               <a:rPr lang="en-IN" smtClean="0"/>
-              <a:t>28-02-2021</a:t>
+              <a:t>12-06-2021</a:t>
             </a:fld>
             <a:endParaRPr lang="en-IN"/>
           </a:p>
@@ -2089,7 +2105,7 @@
           </a:lstStyle>
           <a:p>
             <a:r>
-              <a:rPr lang="en-US" smtClean="0"/>
+              <a:rPr lang="en-US"/>
               <a:t>Click to edit Master title style</a:t>
             </a:r>
             <a:endParaRPr lang="en-IN"/>
@@ -2146,35 +2162,35 @@
           <a:p>
             <a:pPr lvl="0"/>
             <a:r>
-              <a:rPr lang="en-US" smtClean="0"/>
+              <a:rPr lang="en-US"/>
               <a:t>Click to edit Master text styles</a:t>
             </a:r>
           </a:p>
           <a:p>
             <a:pPr lvl="1"/>
             <a:r>
-              <a:rPr lang="en-US" smtClean="0"/>
+              <a:rPr lang="en-US"/>
               <a:t>Second level</a:t>
             </a:r>
           </a:p>
           <a:p>
             <a:pPr lvl="2"/>
             <a:r>
-              <a:rPr lang="en-US" smtClean="0"/>
+              <a:rPr lang="en-US"/>
               <a:t>Third level</a:t>
             </a:r>
           </a:p>
           <a:p>
             <a:pPr lvl="3"/>
             <a:r>
-              <a:rPr lang="en-US" smtClean="0"/>
+              <a:rPr lang="en-US"/>
               <a:t>Fourth level</a:t>
             </a:r>
           </a:p>
           <a:p>
             <a:pPr lvl="4"/>
             <a:r>
-              <a:rPr lang="en-US" smtClean="0"/>
+              <a:rPr lang="en-US"/>
               <a:t>Fifth level</a:t>
             </a:r>
             <a:endParaRPr lang="en-IN"/>
@@ -2240,7 +2256,7 @@
           <a:p>
             <a:pPr lvl="0"/>
             <a:r>
-              <a:rPr lang="en-US" smtClean="0"/>
+              <a:rPr lang="en-US"/>
               <a:t>Click to edit Master text styles</a:t>
             </a:r>
           </a:p>
@@ -2263,7 +2279,7 @@
           <a:p>
             <a:fld id="{9CDF3A37-06D5-4F3F-AD9D-50083676AFA6}" type="datetimeFigureOut">
               <a:rPr lang="en-IN" smtClean="0"/>
-              <a:t>28-02-2021</a:t>
+              <a:t>12-06-2021</a:t>
             </a:fld>
             <a:endParaRPr lang="en-IN"/>
           </a:p>
@@ -2366,7 +2382,7 @@
           </a:lstStyle>
           <a:p>
             <a:r>
-              <a:rPr lang="en-US" smtClean="0"/>
+              <a:rPr lang="en-US"/>
               <a:t>Click to edit Master title style</a:t>
             </a:r>
             <a:endParaRPr lang="en-IN"/>
@@ -2493,7 +2509,7 @@
           <a:p>
             <a:pPr lvl="0"/>
             <a:r>
-              <a:rPr lang="en-US" smtClean="0"/>
+              <a:rPr lang="en-US"/>
               <a:t>Click to edit Master text styles</a:t>
             </a:r>
           </a:p>
@@ -2516,7 +2532,7 @@
           <a:p>
             <a:fld id="{9CDF3A37-06D5-4F3F-AD9D-50083676AFA6}" type="datetimeFigureOut">
               <a:rPr lang="en-IN" smtClean="0"/>
-              <a:t>28-02-2021</a:t>
+              <a:t>12-06-2021</a:t>
             </a:fld>
             <a:endParaRPr lang="en-IN"/>
           </a:p>
@@ -2625,7 +2641,7 @@
           <a:lstStyle/>
           <a:p>
             <a:r>
-              <a:rPr lang="en-US" smtClean="0"/>
+              <a:rPr lang="en-US"/>
               <a:t>Click to edit Master title style</a:t>
             </a:r>
             <a:endParaRPr lang="en-IN"/>
@@ -2659,35 +2675,35 @@
           <a:p>
             <a:pPr lvl="0"/>
             <a:r>
-              <a:rPr lang="en-US" smtClean="0"/>
+              <a:rPr lang="en-US"/>
               <a:t>Click to edit Master text styles</a:t>
             </a:r>
           </a:p>
           <a:p>
             <a:pPr lvl="1"/>
             <a:r>
-              <a:rPr lang="en-US" smtClean="0"/>
+              <a:rPr lang="en-US"/>
               <a:t>Second level</a:t>
             </a:r>
           </a:p>
           <a:p>
             <a:pPr lvl="2"/>
             <a:r>
-              <a:rPr lang="en-US" smtClean="0"/>
+              <a:rPr lang="en-US"/>
               <a:t>Third level</a:t>
             </a:r>
           </a:p>
           <a:p>
             <a:pPr lvl="3"/>
             <a:r>
-              <a:rPr lang="en-US" smtClean="0"/>
+              <a:rPr lang="en-US"/>
               <a:t>Fourth level</a:t>
             </a:r>
           </a:p>
           <a:p>
             <a:pPr lvl="4"/>
             <a:r>
-              <a:rPr lang="en-US" smtClean="0"/>
+              <a:rPr lang="en-US"/>
               <a:t>Fifth level</a:t>
             </a:r>
             <a:endParaRPr lang="en-IN"/>
@@ -2729,7 +2745,7 @@
           <a:p>
             <a:fld id="{9CDF3A37-06D5-4F3F-AD9D-50083676AFA6}" type="datetimeFigureOut">
               <a:rPr lang="en-IN" smtClean="0"/>
-              <a:t>28-02-2021</a:t>
+              <a:t>12-06-2021</a:t>
             </a:fld>
             <a:endParaRPr lang="en-IN"/>
           </a:p>
@@ -3120,10 +3136,9 @@
           <a:lstStyle/>
           <a:p>
             <a:r>
-              <a:rPr lang="en-IN" dirty="0" smtClean="0"/>
+              <a:rPr lang="en-IN" dirty="0"/>
               <a:t>Dynamic Memory Allocation</a:t>
             </a:r>
-            <a:endParaRPr lang="en-IN" dirty="0"/>
           </a:p>
         </p:txBody>
       </p:sp>
@@ -3199,10 +3214,9 @@
           <a:lstStyle/>
           <a:p>
             <a:r>
-              <a:rPr lang="en-IN" sz="3600" dirty="0" smtClean="0"/>
+              <a:rPr lang="en-IN" sz="3600" dirty="0"/>
               <a:t>Dynamic Memory Allocation for Structure</a:t>
             </a:r>
-            <a:endParaRPr lang="en-IN" sz="3600" dirty="0"/>
           </a:p>
         </p:txBody>
       </p:sp>
@@ -3232,15 +3246,15 @@
               <a:buNone/>
             </a:pPr>
             <a:r>
-              <a:rPr lang="en-IN" dirty="0" smtClean="0"/>
+              <a:rPr lang="en-IN" dirty="0"/>
               <a:t>#include &lt;</a:t>
             </a:r>
             <a:r>
-              <a:rPr lang="en-IN" dirty="0" err="1" smtClean="0"/>
+              <a:rPr lang="en-IN" dirty="0" err="1"/>
               <a:t>stdio.h</a:t>
             </a:r>
             <a:r>
-              <a:rPr lang="en-IN" dirty="0" smtClean="0"/>
+              <a:rPr lang="en-IN" dirty="0"/>
               <a:t>&gt;</a:t>
             </a:r>
           </a:p>
@@ -3249,15 +3263,15 @@
               <a:buNone/>
             </a:pPr>
             <a:r>
-              <a:rPr lang="en-IN" dirty="0" smtClean="0"/>
+              <a:rPr lang="en-IN" dirty="0"/>
               <a:t>#include &lt;</a:t>
             </a:r>
             <a:r>
-              <a:rPr lang="en-IN" dirty="0" err="1" smtClean="0"/>
+              <a:rPr lang="en-IN" dirty="0" err="1"/>
               <a:t>stdlib.h</a:t>
             </a:r>
             <a:r>
-              <a:rPr lang="en-IN" dirty="0" smtClean="0"/>
+              <a:rPr lang="en-IN" dirty="0"/>
               <a:t>&gt;</a:t>
             </a:r>
           </a:p>
@@ -3265,18 +3279,18 @@
             <a:pPr marL="0" indent="0">
               <a:buNone/>
             </a:pPr>
-            <a:endParaRPr lang="en-IN" dirty="0" smtClean="0"/>
-          </a:p>
-          <a:p>
-            <a:pPr marL="0" indent="0">
-              <a:buNone/>
-            </a:pPr>
-            <a:r>
-              <a:rPr lang="en-IN" dirty="0" err="1" smtClean="0"/>
+            <a:endParaRPr lang="en-IN" dirty="0"/>
+          </a:p>
+          <a:p>
+            <a:pPr marL="0" indent="0">
+              <a:buNone/>
+            </a:pPr>
+            <a:r>
+              <a:rPr lang="en-IN" dirty="0" err="1"/>
               <a:t>struct</a:t>
             </a:r>
             <a:r>
-              <a:rPr lang="en-IN" dirty="0" smtClean="0"/>
+              <a:rPr lang="en-IN" dirty="0"/>
               <a:t> person {</a:t>
             </a:r>
           </a:p>
@@ -3285,15 +3299,15 @@
               <a:buNone/>
             </a:pPr>
             <a:r>
-              <a:rPr lang="en-IN" dirty="0" smtClean="0"/>
+              <a:rPr lang="en-IN" dirty="0"/>
               <a:t>   </a:t>
             </a:r>
             <a:r>
-              <a:rPr lang="en-IN" dirty="0" err="1" smtClean="0"/>
+              <a:rPr lang="en-IN" dirty="0" err="1"/>
               <a:t>int</a:t>
             </a:r>
             <a:r>
-              <a:rPr lang="en-IN" dirty="0" smtClean="0"/>
+              <a:rPr lang="en-IN" dirty="0"/>
               <a:t> age;</a:t>
             </a:r>
           </a:p>
@@ -3302,7 +3316,7 @@
               <a:buNone/>
             </a:pPr>
             <a:r>
-              <a:rPr lang="en-IN" dirty="0" smtClean="0"/>
+              <a:rPr lang="en-IN" dirty="0"/>
               <a:t>   float weight;</a:t>
             </a:r>
           </a:p>
@@ -3311,7 +3325,7 @@
               <a:buNone/>
             </a:pPr>
             <a:r>
-              <a:rPr lang="en-IN" dirty="0" smtClean="0"/>
+              <a:rPr lang="en-IN" dirty="0"/>
               <a:t>   char name[30];</a:t>
             </a:r>
           </a:p>
@@ -3320,7 +3334,7 @@
               <a:buNone/>
             </a:pPr>
             <a:r>
-              <a:rPr lang="en-IN" dirty="0" smtClean="0"/>
+              <a:rPr lang="en-IN" dirty="0"/>
               <a:t>};</a:t>
             </a:r>
           </a:p>
@@ -3328,18 +3342,18 @@
             <a:pPr marL="0" indent="0">
               <a:buNone/>
             </a:pPr>
-            <a:endParaRPr lang="en-IN" dirty="0" smtClean="0"/>
-          </a:p>
-          <a:p>
-            <a:pPr marL="0" indent="0">
-              <a:buNone/>
-            </a:pPr>
-            <a:r>
-              <a:rPr lang="en-IN" dirty="0" err="1" smtClean="0"/>
+            <a:endParaRPr lang="en-IN" dirty="0"/>
+          </a:p>
+          <a:p>
+            <a:pPr marL="0" indent="0">
+              <a:buNone/>
+            </a:pPr>
+            <a:r>
+              <a:rPr lang="en-IN" dirty="0" err="1"/>
               <a:t>int</a:t>
             </a:r>
             <a:r>
-              <a:rPr lang="en-IN" dirty="0" smtClean="0"/>
+              <a:rPr lang="en-IN" dirty="0"/>
               <a:t> main()</a:t>
             </a:r>
           </a:p>
@@ -3348,7 +3362,7 @@
               <a:buNone/>
             </a:pPr>
             <a:r>
-              <a:rPr lang="en-IN" dirty="0" smtClean="0"/>
+              <a:rPr lang="en-IN" dirty="0"/>
               <a:t>{</a:t>
             </a:r>
           </a:p>
@@ -3357,23 +3371,23 @@
               <a:buNone/>
             </a:pPr>
             <a:r>
-              <a:rPr lang="en-IN" dirty="0" smtClean="0"/>
+              <a:rPr lang="en-IN" dirty="0"/>
               <a:t>   </a:t>
             </a:r>
             <a:r>
-              <a:rPr lang="en-IN" dirty="0" err="1" smtClean="0"/>
+              <a:rPr lang="en-IN" dirty="0" err="1"/>
               <a:t>struct</a:t>
             </a:r>
             <a:r>
-              <a:rPr lang="en-IN" dirty="0" smtClean="0"/>
+              <a:rPr lang="en-IN" dirty="0"/>
               <a:t> person *</a:t>
             </a:r>
             <a:r>
-              <a:rPr lang="en-IN" dirty="0" err="1" smtClean="0"/>
+              <a:rPr lang="en-IN" dirty="0" err="1"/>
               <a:t>ptr</a:t>
             </a:r>
             <a:r>
-              <a:rPr lang="en-IN" dirty="0" smtClean="0"/>
+              <a:rPr lang="en-IN" dirty="0"/>
               <a:t>;</a:t>
             </a:r>
           </a:p>
@@ -3382,31 +3396,31 @@
               <a:buNone/>
             </a:pPr>
             <a:r>
-              <a:rPr lang="en-IN" dirty="0" smtClean="0"/>
+              <a:rPr lang="en-IN" dirty="0"/>
               <a:t>   </a:t>
             </a:r>
             <a:r>
-              <a:rPr lang="en-IN" dirty="0" err="1" smtClean="0"/>
+              <a:rPr lang="en-IN" dirty="0" err="1"/>
               <a:t>int</a:t>
             </a:r>
             <a:r>
-              <a:rPr lang="en-IN" dirty="0" smtClean="0"/>
+              <a:rPr lang="en-IN" dirty="0"/>
               <a:t> </a:t>
             </a:r>
             <a:r>
-              <a:rPr lang="en-IN" dirty="0" err="1" smtClean="0"/>
+              <a:rPr lang="en-IN" dirty="0" err="1"/>
               <a:t>i</a:t>
             </a:r>
             <a:r>
-              <a:rPr lang="en-IN" dirty="0" smtClean="0"/>
+              <a:rPr lang="en-IN" dirty="0"/>
               <a:t>, </a:t>
             </a:r>
             <a:r>
-              <a:rPr lang="en-IN" dirty="0" err="1" smtClean="0"/>
+              <a:rPr lang="en-IN" dirty="0" err="1"/>
               <a:t>num</a:t>
             </a:r>
             <a:r>
-              <a:rPr lang="en-IN" dirty="0" smtClean="0"/>
+              <a:rPr lang="en-IN" dirty="0"/>
               <a:t>;</a:t>
             </a:r>
           </a:p>
@@ -3415,15 +3429,15 @@
               <a:buNone/>
             </a:pPr>
             <a:r>
-              <a:rPr lang="en-IN" dirty="0" smtClean="0"/>
+              <a:rPr lang="en-IN" dirty="0"/>
               <a:t>   </a:t>
             </a:r>
             <a:r>
-              <a:rPr lang="en-IN" dirty="0" err="1" smtClean="0"/>
+              <a:rPr lang="en-IN" dirty="0" err="1"/>
               <a:t>printf</a:t>
             </a:r>
             <a:r>
-              <a:rPr lang="en-IN" dirty="0" smtClean="0"/>
+              <a:rPr lang="en-IN" dirty="0"/>
               <a:t>("Enter number of persons: ");</a:t>
             </a:r>
           </a:p>
@@ -3432,23 +3446,23 @@
               <a:buNone/>
             </a:pPr>
             <a:r>
-              <a:rPr lang="en-IN" dirty="0" smtClean="0"/>
+              <a:rPr lang="en-IN" dirty="0"/>
               <a:t>   </a:t>
             </a:r>
             <a:r>
-              <a:rPr lang="en-IN" dirty="0" err="1" smtClean="0"/>
+              <a:rPr lang="en-IN" dirty="0" err="1"/>
               <a:t>scanf</a:t>
             </a:r>
             <a:r>
-              <a:rPr lang="en-IN" dirty="0" smtClean="0"/>
+              <a:rPr lang="en-IN" dirty="0"/>
               <a:t>("%d", &amp;</a:t>
             </a:r>
             <a:r>
-              <a:rPr lang="en-IN" dirty="0" err="1" smtClean="0"/>
+              <a:rPr lang="en-IN" dirty="0" err="1"/>
               <a:t>num</a:t>
             </a:r>
             <a:r>
-              <a:rPr lang="en-IN" dirty="0" smtClean="0"/>
+              <a:rPr lang="en-IN" dirty="0"/>
               <a:t>);</a:t>
             </a:r>
           </a:p>
@@ -3456,62 +3470,62 @@
             <a:pPr marL="0" indent="0">
               <a:buNone/>
             </a:pPr>
-            <a:endParaRPr lang="en-IN" dirty="0" smtClean="0"/>
-          </a:p>
-          <a:p>
-            <a:pPr marL="0" indent="0">
-              <a:buNone/>
-            </a:pPr>
-            <a:r>
-              <a:rPr lang="en-IN" dirty="0" smtClean="0"/>
+            <a:endParaRPr lang="en-IN" dirty="0"/>
+          </a:p>
+          <a:p>
+            <a:pPr marL="0" indent="0">
+              <a:buNone/>
+            </a:pPr>
+            <a:r>
+              <a:rPr lang="en-IN" dirty="0"/>
               <a:t>   </a:t>
             </a:r>
             <a:r>
-              <a:rPr lang="en-IN" b="1" dirty="0" err="1" smtClean="0"/>
+              <a:rPr lang="en-IN" b="1" dirty="0" err="1"/>
               <a:t>ptr</a:t>
             </a:r>
             <a:r>
-              <a:rPr lang="en-IN" b="1" dirty="0" smtClean="0"/>
+              <a:rPr lang="en-IN" b="1" dirty="0"/>
               <a:t> = (</a:t>
             </a:r>
             <a:r>
-              <a:rPr lang="en-IN" b="1" dirty="0" err="1" smtClean="0"/>
+              <a:rPr lang="en-IN" b="1" dirty="0" err="1"/>
               <a:t>struct</a:t>
             </a:r>
             <a:r>
-              <a:rPr lang="en-IN" b="1" dirty="0" smtClean="0"/>
+              <a:rPr lang="en-IN" b="1" dirty="0"/>
               <a:t>  person*) </a:t>
             </a:r>
             <a:r>
-              <a:rPr lang="en-IN" b="1" dirty="0" err="1" smtClean="0"/>
+              <a:rPr lang="en-IN" b="1" dirty="0" err="1"/>
               <a:t>malloc</a:t>
             </a:r>
             <a:r>
-              <a:rPr lang="en-IN" b="1" dirty="0" smtClean="0"/>
+              <a:rPr lang="en-IN" b="1" dirty="0"/>
               <a:t>(</a:t>
             </a:r>
             <a:r>
-              <a:rPr lang="en-IN" b="1" dirty="0" err="1" smtClean="0"/>
+              <a:rPr lang="en-IN" b="1" dirty="0" err="1"/>
               <a:t>num</a:t>
             </a:r>
             <a:r>
-              <a:rPr lang="en-IN" b="1" dirty="0" smtClean="0"/>
+              <a:rPr lang="en-IN" b="1" dirty="0"/>
               <a:t> * </a:t>
             </a:r>
             <a:r>
-              <a:rPr lang="en-IN" b="1" dirty="0" err="1" smtClean="0"/>
+              <a:rPr lang="en-IN" b="1" dirty="0" err="1"/>
               <a:t>sizeof</a:t>
             </a:r>
             <a:r>
-              <a:rPr lang="en-IN" b="1" dirty="0" smtClean="0"/>
+              <a:rPr lang="en-IN" b="1" dirty="0"/>
               <a:t>(</a:t>
             </a:r>
             <a:r>
-              <a:rPr lang="en-IN" b="1" dirty="0" err="1" smtClean="0"/>
+              <a:rPr lang="en-IN" b="1" dirty="0" err="1"/>
               <a:t>struct</a:t>
             </a:r>
             <a:r>
-              <a:rPr lang="en-IN" b="1" dirty="0" smtClean="0"/>
+              <a:rPr lang="en-IN" b="1" dirty="0"/>
               <a:t>  person));</a:t>
             </a:r>
           </a:p>
@@ -3549,39 +3563,39 @@
               <a:buNone/>
             </a:pPr>
             <a:r>
-              <a:rPr lang="en-IN" dirty="0" smtClean="0"/>
+              <a:rPr lang="en-IN" dirty="0"/>
               <a:t> for(</a:t>
             </a:r>
             <a:r>
-              <a:rPr lang="en-IN" dirty="0" err="1" smtClean="0"/>
+              <a:rPr lang="en-IN" dirty="0" err="1"/>
               <a:t>i</a:t>
             </a:r>
             <a:r>
-              <a:rPr lang="en-IN" dirty="0" smtClean="0"/>
+              <a:rPr lang="en-IN" dirty="0"/>
               <a:t> = 0; </a:t>
             </a:r>
             <a:r>
-              <a:rPr lang="en-IN" dirty="0" err="1" smtClean="0"/>
+              <a:rPr lang="en-IN" dirty="0" err="1"/>
               <a:t>i</a:t>
             </a:r>
             <a:r>
-              <a:rPr lang="en-IN" dirty="0" smtClean="0"/>
+              <a:rPr lang="en-IN" dirty="0"/>
               <a:t> &lt; </a:t>
             </a:r>
             <a:r>
-              <a:rPr lang="en-IN" dirty="0" err="1" smtClean="0"/>
+              <a:rPr lang="en-IN" dirty="0" err="1"/>
               <a:t>num</a:t>
             </a:r>
             <a:r>
-              <a:rPr lang="en-IN" dirty="0" smtClean="0"/>
+              <a:rPr lang="en-IN" dirty="0"/>
               <a:t>; ++</a:t>
             </a:r>
             <a:r>
-              <a:rPr lang="en-IN" dirty="0" err="1" smtClean="0"/>
+              <a:rPr lang="en-IN" dirty="0" err="1"/>
               <a:t>i</a:t>
             </a:r>
             <a:r>
-              <a:rPr lang="en-IN" dirty="0" smtClean="0"/>
+              <a:rPr lang="en-IN" dirty="0"/>
               <a:t>)</a:t>
             </a:r>
           </a:p>
@@ -3590,7 +3604,7 @@
               <a:buNone/>
             </a:pPr>
             <a:r>
-              <a:rPr lang="en-IN" dirty="0" smtClean="0"/>
+              <a:rPr lang="en-IN" dirty="0"/>
               <a:t>   {</a:t>
             </a:r>
           </a:p>
@@ -3599,15 +3613,15 @@
               <a:buNone/>
             </a:pPr>
             <a:r>
-              <a:rPr lang="en-IN" dirty="0" smtClean="0"/>
+              <a:rPr lang="en-IN" dirty="0"/>
               <a:t>       </a:t>
             </a:r>
             <a:r>
-              <a:rPr lang="en-IN" dirty="0" err="1" smtClean="0"/>
+              <a:rPr lang="en-IN" dirty="0" err="1"/>
               <a:t>printf</a:t>
             </a:r>
             <a:r>
-              <a:rPr lang="en-IN" dirty="0" smtClean="0"/>
+              <a:rPr lang="en-IN" dirty="0"/>
               <a:t>("Enter name, age and weight of the person respectively:\n");</a:t>
             </a:r>
           </a:p>
@@ -3616,47 +3630,47 @@
               <a:buNone/>
             </a:pPr>
             <a:r>
-              <a:rPr lang="en-IN" dirty="0" smtClean="0"/>
+              <a:rPr lang="en-IN" dirty="0"/>
               <a:t>       </a:t>
             </a:r>
             <a:r>
-              <a:rPr lang="en-IN" dirty="0" err="1" smtClean="0"/>
+              <a:rPr lang="en-IN" dirty="0" err="1"/>
               <a:t>scanf</a:t>
             </a:r>
             <a:r>
-              <a:rPr lang="en-IN" dirty="0" smtClean="0"/>
+              <a:rPr lang="en-IN" dirty="0"/>
               <a:t>("%</a:t>
             </a:r>
             <a:r>
-              <a:rPr lang="en-IN" dirty="0" err="1" smtClean="0"/>
+              <a:rPr lang="en-IN" dirty="0" err="1"/>
               <a:t>s%d%f</a:t>
             </a:r>
             <a:r>
-              <a:rPr lang="en-IN" dirty="0" smtClean="0"/>
+              <a:rPr lang="en-IN" dirty="0"/>
               <a:t>", &amp;(</a:t>
             </a:r>
             <a:r>
-              <a:rPr lang="en-IN" dirty="0" err="1" smtClean="0"/>
+              <a:rPr lang="en-IN" dirty="0" err="1"/>
               <a:t>ptr+i</a:t>
             </a:r>
             <a:r>
-              <a:rPr lang="en-IN" dirty="0" smtClean="0"/>
+              <a:rPr lang="en-IN" dirty="0"/>
               <a:t>)-&gt;name, &amp;(</a:t>
             </a:r>
             <a:r>
-              <a:rPr lang="en-IN" dirty="0" err="1" smtClean="0"/>
+              <a:rPr lang="en-IN" dirty="0" err="1"/>
               <a:t>ptr+i</a:t>
             </a:r>
             <a:r>
-              <a:rPr lang="en-IN" dirty="0" smtClean="0"/>
+              <a:rPr lang="en-IN" dirty="0"/>
               <a:t>)-&gt;age, &amp;(</a:t>
             </a:r>
             <a:r>
-              <a:rPr lang="en-IN" dirty="0" err="1" smtClean="0"/>
+              <a:rPr lang="en-IN" dirty="0" err="1"/>
               <a:t>ptr+i</a:t>
             </a:r>
             <a:r>
-              <a:rPr lang="en-IN" dirty="0" smtClean="0"/>
+              <a:rPr lang="en-IN" dirty="0"/>
               <a:t>)-&gt;weight);</a:t>
             </a:r>
           </a:p>
@@ -3665,7 +3679,7 @@
               <a:buNone/>
             </a:pPr>
             <a:r>
-              <a:rPr lang="en-IN" dirty="0" smtClean="0"/>
+              <a:rPr lang="en-IN" dirty="0"/>
               <a:t>   }</a:t>
             </a:r>
           </a:p>
@@ -3673,30 +3687,30 @@
             <a:pPr marL="0" indent="0">
               <a:buNone/>
             </a:pPr>
-            <a:endParaRPr lang="en-IN" dirty="0" smtClean="0"/>
-          </a:p>
-          <a:p>
-            <a:pPr marL="0" indent="0">
-              <a:buNone/>
-            </a:pPr>
-            <a:r>
-              <a:rPr lang="en-IN" dirty="0" smtClean="0"/>
+            <a:endParaRPr lang="en-IN" dirty="0"/>
+          </a:p>
+          <a:p>
+            <a:pPr marL="0" indent="0">
+              <a:buNone/>
+            </a:pPr>
+            <a:r>
+              <a:rPr lang="en-IN" dirty="0"/>
               <a:t>   </a:t>
             </a:r>
             <a:r>
-              <a:rPr lang="en-IN" dirty="0" err="1" smtClean="0"/>
+              <a:rPr lang="en-IN" dirty="0" err="1"/>
               <a:t>printf</a:t>
             </a:r>
             <a:r>
-              <a:rPr lang="en-IN" dirty="0" smtClean="0"/>
+              <a:rPr lang="en-IN" dirty="0"/>
               <a:t>("Displaying </a:t>
             </a:r>
             <a:r>
-              <a:rPr lang="en-IN" dirty="0" err="1" smtClean="0"/>
+              <a:rPr lang="en-IN" dirty="0" err="1"/>
               <a:t>Infromation</a:t>
             </a:r>
             <a:r>
-              <a:rPr lang="en-IN" dirty="0" smtClean="0"/>
+              <a:rPr lang="en-IN" dirty="0"/>
               <a:t>:\n");</a:t>
             </a:r>
           </a:p>
@@ -3705,39 +3719,39 @@
               <a:buNone/>
             </a:pPr>
             <a:r>
-              <a:rPr lang="en-IN" dirty="0" smtClean="0"/>
+              <a:rPr lang="en-IN" dirty="0"/>
               <a:t>   for(</a:t>
             </a:r>
             <a:r>
-              <a:rPr lang="en-IN" dirty="0" err="1" smtClean="0"/>
+              <a:rPr lang="en-IN" dirty="0" err="1"/>
               <a:t>i</a:t>
             </a:r>
             <a:r>
-              <a:rPr lang="en-IN" dirty="0" smtClean="0"/>
+              <a:rPr lang="en-IN" dirty="0"/>
               <a:t> = 0; </a:t>
             </a:r>
             <a:r>
-              <a:rPr lang="en-IN" dirty="0" err="1" smtClean="0"/>
+              <a:rPr lang="en-IN" dirty="0" err="1"/>
               <a:t>i</a:t>
             </a:r>
             <a:r>
-              <a:rPr lang="en-IN" dirty="0" smtClean="0"/>
+              <a:rPr lang="en-IN" dirty="0"/>
               <a:t> &lt; </a:t>
             </a:r>
             <a:r>
-              <a:rPr lang="en-IN" dirty="0" err="1" smtClean="0"/>
+              <a:rPr lang="en-IN" dirty="0" err="1"/>
               <a:t>num</a:t>
             </a:r>
             <a:r>
-              <a:rPr lang="en-IN" dirty="0" smtClean="0"/>
+              <a:rPr lang="en-IN" dirty="0"/>
               <a:t>; ++</a:t>
             </a:r>
             <a:r>
-              <a:rPr lang="en-IN" dirty="0" err="1" smtClean="0"/>
+              <a:rPr lang="en-IN" dirty="0" err="1"/>
               <a:t>i</a:t>
             </a:r>
             <a:r>
-              <a:rPr lang="en-IN" dirty="0" smtClean="0"/>
+              <a:rPr lang="en-IN" dirty="0"/>
               <a:t>)</a:t>
             </a:r>
           </a:p>
@@ -3746,47 +3760,47 @@
               <a:buNone/>
             </a:pPr>
             <a:r>
-              <a:rPr lang="en-IN" dirty="0" smtClean="0"/>
+              <a:rPr lang="en-IN" dirty="0"/>
               <a:t>       </a:t>
             </a:r>
             <a:r>
-              <a:rPr lang="en-IN" dirty="0" err="1" smtClean="0"/>
+              <a:rPr lang="en-IN" dirty="0" err="1"/>
               <a:t>printf</a:t>
             </a:r>
             <a:r>
-              <a:rPr lang="en-IN" dirty="0" smtClean="0"/>
+              <a:rPr lang="en-IN" dirty="0"/>
               <a:t>("%s\</a:t>
             </a:r>
             <a:r>
-              <a:rPr lang="en-IN" dirty="0" err="1" smtClean="0"/>
+              <a:rPr lang="en-IN" dirty="0" err="1"/>
               <a:t>t%d</a:t>
             </a:r>
             <a:r>
-              <a:rPr lang="en-IN" dirty="0" smtClean="0"/>
+              <a:rPr lang="en-IN" dirty="0"/>
               <a:t>\t%.2f\n", (</a:t>
             </a:r>
             <a:r>
-              <a:rPr lang="en-IN" dirty="0" err="1" smtClean="0"/>
+              <a:rPr lang="en-IN" dirty="0" err="1"/>
               <a:t>ptr+i</a:t>
             </a:r>
             <a:r>
-              <a:rPr lang="en-IN" dirty="0" smtClean="0"/>
+              <a:rPr lang="en-IN" dirty="0"/>
               <a:t>)-&gt;name, (</a:t>
             </a:r>
             <a:r>
-              <a:rPr lang="en-IN" dirty="0" err="1" smtClean="0"/>
+              <a:rPr lang="en-IN" dirty="0" err="1"/>
               <a:t>ptr+i</a:t>
             </a:r>
             <a:r>
-              <a:rPr lang="en-IN" dirty="0" smtClean="0"/>
+              <a:rPr lang="en-IN" dirty="0"/>
               <a:t>)-&gt;age, (</a:t>
             </a:r>
             <a:r>
-              <a:rPr lang="en-IN" dirty="0" err="1" smtClean="0"/>
+              <a:rPr lang="en-IN" dirty="0" err="1"/>
               <a:t>ptr+i</a:t>
             </a:r>
             <a:r>
-              <a:rPr lang="en-IN" dirty="0" smtClean="0"/>
+              <a:rPr lang="en-IN" dirty="0"/>
               <a:t>)-&gt;weight);</a:t>
             </a:r>
           </a:p>
@@ -3795,7 +3809,7 @@
               <a:buNone/>
             </a:pPr>
             <a:r>
-              <a:rPr lang="en-IN" dirty="0" smtClean="0"/>
+              <a:rPr lang="en-IN" dirty="0"/>
               <a:t>   return 0;</a:t>
             </a:r>
           </a:p>
@@ -3804,10 +3818,9 @@
               <a:buNone/>
             </a:pPr>
             <a:r>
-              <a:rPr lang="en-IN" dirty="0" smtClean="0"/>
+              <a:rPr lang="en-IN" dirty="0"/>
               <a:t>}</a:t>
             </a:r>
-            <a:endParaRPr lang="en-IN" dirty="0"/>
           </a:p>
         </p:txBody>
       </p:sp>
@@ -3857,7 +3870,7 @@
           <a:lstStyle/>
           <a:p>
             <a:r>
-              <a:rPr lang="en-US" smtClean="0"/>
+              <a:rPr lang="en-US"/>
               <a:t>Allocation of Memory</a:t>
             </a:r>
           </a:p>
@@ -3884,11 +3897,11 @@
               </a:spcBef>
             </a:pPr>
             <a:r>
-              <a:rPr lang="en-US" i="1" dirty="0" smtClean="0"/>
+              <a:rPr lang="en-US" i="1" dirty="0"/>
               <a:t>Static Allocation</a:t>
             </a:r>
             <a:r>
-              <a:rPr lang="en-US" dirty="0" smtClean="0"/>
+              <a:rPr lang="en-US" dirty="0"/>
               <a:t>: Allocation of memory space when execution begins.</a:t>
             </a:r>
           </a:p>
@@ -3898,7 +3911,7 @@
                 <a:spcPct val="0"/>
               </a:spcBef>
             </a:pPr>
-            <a:endParaRPr lang="en-US" dirty="0" smtClean="0"/>
+            <a:endParaRPr lang="en-US" dirty="0"/>
           </a:p>
           <a:p>
             <a:pPr>
@@ -3907,11 +3920,11 @@
               </a:spcBef>
             </a:pPr>
             <a:r>
-              <a:rPr lang="en-US" i="1" dirty="0" smtClean="0"/>
+              <a:rPr lang="en-US" i="1" dirty="0"/>
               <a:t>Dynamic Allocation</a:t>
             </a:r>
             <a:r>
-              <a:rPr lang="en-US" dirty="0" smtClean="0"/>
+              <a:rPr lang="en-US" dirty="0"/>
               <a:t>: Allocation of memory space at run time.</a:t>
             </a:r>
           </a:p>
@@ -4210,10 +4223,9 @@
           <a:lstStyle/>
           <a:p>
             <a:r>
-              <a:rPr lang="en-IN" dirty="0" smtClean="0"/>
+              <a:rPr lang="en-IN" dirty="0"/>
               <a:t>Dynamic memory Allocation</a:t>
             </a:r>
-            <a:endParaRPr lang="en-IN" dirty="0"/>
           </a:p>
         </p:txBody>
       </p:sp>
@@ -4240,40 +4252,40 @@
           <a:lstStyle/>
           <a:p>
             <a:r>
-              <a:rPr lang="en-IN" sz="2400" dirty="0" smtClean="0"/>
+              <a:rPr lang="en-IN" sz="2400" dirty="0"/>
               <a:t>Dynamic memory allocation allows your program to obtain more memory space while running, or to release it if it's not required.</a:t>
             </a:r>
           </a:p>
           <a:p>
-            <a:endParaRPr lang="en-IN" sz="2400" dirty="0" smtClean="0"/>
-          </a:p>
-          <a:p>
-            <a:r>
-              <a:rPr lang="en-IN" sz="2400" dirty="0" smtClean="0"/>
+            <a:endParaRPr lang="en-IN" sz="2400" dirty="0"/>
+          </a:p>
+          <a:p>
+            <a:r>
+              <a:rPr lang="en-IN" sz="2400" dirty="0"/>
               <a:t>Dynamically allocate memory in your C program using C standard library functions: </a:t>
             </a:r>
             <a:r>
-              <a:rPr lang="en-IN" sz="2400" dirty="0" err="1" smtClean="0"/>
+              <a:rPr lang="en-IN" sz="2400" dirty="0" err="1"/>
               <a:t>malloc</a:t>
             </a:r>
             <a:r>
-              <a:rPr lang="en-IN" sz="2400" dirty="0" smtClean="0"/>
+              <a:rPr lang="en-IN" sz="2400" dirty="0"/>
               <a:t>(), </a:t>
             </a:r>
             <a:r>
-              <a:rPr lang="en-IN" sz="2400" dirty="0" err="1" smtClean="0"/>
+              <a:rPr lang="en-IN" sz="2400" dirty="0" err="1"/>
               <a:t>calloc</a:t>
             </a:r>
             <a:r>
-              <a:rPr lang="en-IN" sz="2400" dirty="0" smtClean="0"/>
+              <a:rPr lang="en-IN" sz="2400" dirty="0"/>
               <a:t>(), free() and </a:t>
             </a:r>
             <a:r>
-              <a:rPr lang="en-IN" sz="2400" dirty="0" err="1" smtClean="0"/>
+              <a:rPr lang="en-IN" sz="2400" dirty="0" err="1"/>
               <a:t>realloc</a:t>
             </a:r>
             <a:r>
-              <a:rPr lang="en-IN" sz="2400" dirty="0" smtClean="0"/>
+              <a:rPr lang="en-IN" sz="2400" dirty="0"/>
               <a:t>()</a:t>
             </a:r>
           </a:p>
@@ -4302,8 +4314,20 @@
             <a:tbl>
               <a:tblPr/>
               <a:tblGrid>
-                <a:gridCol w="1728192"/>
-                <a:gridCol w="6501408"/>
+                <a:gridCol w="1728192">
+                  <a:extLst>
+                    <a:ext uri="{9D8B030D-6E8A-4147-A177-3AD203B41FA5}">
+                      <a16:colId xmlns:a16="http://schemas.microsoft.com/office/drawing/2014/main" val="20000"/>
+                    </a:ext>
+                  </a:extLst>
+                </a:gridCol>
+                <a:gridCol w="6501408">
+                  <a:extLst>
+                    <a:ext uri="{9D8B030D-6E8A-4147-A177-3AD203B41FA5}">
+                      <a16:colId xmlns:a16="http://schemas.microsoft.com/office/drawing/2014/main" val="20001"/>
+                    </a:ext>
+                  </a:extLst>
+                </a:gridCol>
               </a:tblGrid>
               <a:tr h="0">
                 <a:tc>
@@ -4418,6 +4442,11 @@
                     </a:solidFill>
                   </a:tcPr>
                 </a:tc>
+                <a:extLst>
+                  <a:ext uri="{0D108BD9-81ED-4DB2-BD59-A6C34878D82A}">
+                    <a16:rowId xmlns:a16="http://schemas.microsoft.com/office/drawing/2014/main" val="10000"/>
+                  </a:ext>
+                </a:extLst>
               </a:tr>
               <a:tr h="0">
                 <a:tc>
@@ -4537,6 +4566,11 @@
                     </a:solidFill>
                   </a:tcPr>
                 </a:tc>
+                <a:extLst>
+                  <a:ext uri="{0D108BD9-81ED-4DB2-BD59-A6C34878D82A}">
+                    <a16:rowId xmlns:a16="http://schemas.microsoft.com/office/drawing/2014/main" val="10001"/>
+                  </a:ext>
+                </a:extLst>
               </a:tr>
               <a:tr h="0">
                 <a:tc>
@@ -4656,6 +4690,11 @@
                     </a:solidFill>
                   </a:tcPr>
                 </a:tc>
+                <a:extLst>
+                  <a:ext uri="{0D108BD9-81ED-4DB2-BD59-A6C34878D82A}">
+                    <a16:rowId xmlns:a16="http://schemas.microsoft.com/office/drawing/2014/main" val="10002"/>
+                  </a:ext>
+                </a:extLst>
               </a:tr>
               <a:tr h="0">
                 <a:tc>
@@ -4775,6 +4814,11 @@
                     </a:solidFill>
                   </a:tcPr>
                 </a:tc>
+                <a:extLst>
+                  <a:ext uri="{0D108BD9-81ED-4DB2-BD59-A6C34878D82A}">
+                    <a16:rowId xmlns:a16="http://schemas.microsoft.com/office/drawing/2014/main" val="10003"/>
+                  </a:ext>
+                </a:extLst>
               </a:tr>
               <a:tr h="0">
                 <a:tc>
@@ -4894,6 +4938,11 @@
                     </a:solidFill>
                   </a:tcPr>
                 </a:tc>
+                <a:extLst>
+                  <a:ext uri="{0D108BD9-81ED-4DB2-BD59-A6C34878D82A}">
+                    <a16:rowId xmlns:a16="http://schemas.microsoft.com/office/drawing/2014/main" val="10004"/>
+                  </a:ext>
+                </a:extLst>
               </a:tr>
             </a:tbl>
           </a:graphicData>
@@ -4952,14 +5001,13 @@
           <a:lstStyle/>
           <a:p>
             <a:r>
-              <a:rPr lang="en-IN" dirty="0" err="1" smtClean="0"/>
+              <a:rPr lang="en-IN" dirty="0" err="1"/>
               <a:t>malloc</a:t>
             </a:r>
             <a:r>
-              <a:rPr lang="en-IN" dirty="0" smtClean="0"/>
+              <a:rPr lang="en-IN" dirty="0"/>
               <a:t>()   &amp;   free() </a:t>
             </a:r>
-            <a:endParaRPr lang="en-IN" dirty="0"/>
           </a:p>
         </p:txBody>
       </p:sp>
@@ -4987,14 +5035,10 @@
           <a:p>
             <a:r>
               <a:rPr lang="en-IN" dirty="0" err="1"/>
-              <a:t>m</a:t>
-            </a:r>
-            <a:r>
-              <a:rPr lang="en-IN" dirty="0" err="1" smtClean="0"/>
-              <a:t>alloc</a:t>
-            </a:r>
-            <a:r>
-              <a:rPr lang="en-IN" dirty="0" smtClean="0"/>
+              <a:t>malloc</a:t>
+            </a:r>
+            <a:r>
+              <a:rPr lang="en-IN" dirty="0"/>
               <a:t>()</a:t>
             </a:r>
           </a:p>
@@ -5011,7 +5055,6 @@
               <a:rPr lang="en-IN" dirty="0"/>
               <a:t> stands for "memory allocation".</a:t>
             </a:r>
-            <a:endParaRPr lang="en-IN" dirty="0" smtClean="0"/>
           </a:p>
           <a:p>
             <a:pPr marL="0" indent="0" algn="just">
@@ -5022,71 +5065,47 @@
               <a:t>The function </a:t>
             </a:r>
             <a:r>
-              <a:rPr lang="en-IN" dirty="0" err="1" smtClean="0"/>
+              <a:rPr lang="en-IN" dirty="0" err="1"/>
               <a:t>malloc</a:t>
             </a:r>
             <a:r>
-              <a:rPr lang="en-IN" dirty="0" smtClean="0"/>
+              <a:rPr lang="en-IN" dirty="0"/>
+              <a:t>() reserves a block of memory of specified size and return a pointer of type void which can be casted into pointer of any form.</a:t>
+            </a:r>
+          </a:p>
+          <a:p>
+            <a:pPr marL="0" indent="0" algn="just">
+              <a:buNone/>
+            </a:pPr>
+            <a:endParaRPr lang="en-IN" dirty="0"/>
+          </a:p>
+          <a:p>
+            <a:pPr marL="0" indent="0">
+              <a:buNone/>
+            </a:pPr>
+            <a:r>
+              <a:rPr lang="en-IN" dirty="0"/>
+              <a:t>	Syntax of </a:t>
+            </a:r>
+            <a:r>
+              <a:rPr lang="en-IN" dirty="0" err="1"/>
+              <a:t>malloc</a:t>
+            </a:r>
+            <a:r>
+              <a:rPr lang="en-IN" dirty="0"/>
               <a:t>()</a:t>
             </a:r>
-            <a:r>
-              <a:rPr lang="en-IN" dirty="0"/>
-              <a:t> reserves a block of memory of specified size and return a </a:t>
-            </a:r>
-            <a:r>
-              <a:rPr lang="en-IN" dirty="0" smtClean="0"/>
-              <a:t>pointer of </a:t>
-            </a:r>
-            <a:r>
-              <a:rPr lang="en-IN" dirty="0"/>
-              <a:t>type </a:t>
-            </a:r>
-            <a:r>
-              <a:rPr lang="en-IN" dirty="0" smtClean="0"/>
-              <a:t>void</a:t>
-            </a:r>
-            <a:r>
-              <a:rPr lang="en-IN" dirty="0"/>
-              <a:t> which can be casted into pointer of any form</a:t>
-            </a:r>
-            <a:r>
-              <a:rPr lang="en-IN" dirty="0" smtClean="0"/>
-              <a:t>.</a:t>
-            </a:r>
-          </a:p>
-          <a:p>
-            <a:pPr marL="0" indent="0" algn="just">
-              <a:buNone/>
-            </a:pPr>
-            <a:endParaRPr lang="en-IN" dirty="0" smtClean="0"/>
-          </a:p>
-          <a:p>
-            <a:pPr marL="0" indent="0">
-              <a:buNone/>
-            </a:pPr>
-            <a:r>
-              <a:rPr lang="en-IN" dirty="0" smtClean="0"/>
-              <a:t>	Syntax of </a:t>
-            </a:r>
-            <a:r>
-              <a:rPr lang="en-IN" dirty="0" err="1" smtClean="0"/>
-              <a:t>malloc</a:t>
-            </a:r>
-            <a:r>
-              <a:rPr lang="en-IN" dirty="0" smtClean="0"/>
-              <a:t>()</a:t>
-            </a:r>
-          </a:p>
-          <a:p>
-            <a:pPr marL="0" indent="0">
-              <a:buNone/>
-            </a:pPr>
-            <a:r>
-              <a:rPr lang="en-IN" dirty="0" smtClean="0"/>
+          </a:p>
+          <a:p>
+            <a:pPr marL="0" indent="0">
+              <a:buNone/>
+            </a:pPr>
+            <a:r>
+              <a:rPr lang="en-IN" dirty="0"/>
               <a:t>	</a:t>
             </a:r>
             <a:r>
-              <a:rPr lang="en-IN" sz="3400" dirty="0" err="1" smtClean="0">
+              <a:rPr lang="en-IN" sz="3400" dirty="0" err="1">
                 <a:solidFill>
                   <a:srgbClr val="FF0000"/>
                 </a:solidFill>
@@ -5094,7 +5113,7 @@
               <a:t>ptr</a:t>
             </a:r>
             <a:r>
-              <a:rPr lang="en-IN" sz="3400" dirty="0" smtClean="0">
+              <a:rPr lang="en-IN" sz="3400" dirty="0">
                 <a:solidFill>
                   <a:srgbClr val="FF0000"/>
                 </a:solidFill>
@@ -5102,7 +5121,7 @@
               <a:t> = (cast-type*) </a:t>
             </a:r>
             <a:r>
-              <a:rPr lang="en-IN" sz="3400" dirty="0" err="1" smtClean="0">
+              <a:rPr lang="en-IN" sz="3400" dirty="0" err="1">
                 <a:solidFill>
                   <a:srgbClr val="FF0000"/>
                 </a:solidFill>
@@ -5110,7 +5129,7 @@
               <a:t>malloc</a:t>
             </a:r>
             <a:r>
-              <a:rPr lang="en-IN" sz="3400" dirty="0" smtClean="0">
+              <a:rPr lang="en-IN" sz="3400" dirty="0">
                 <a:solidFill>
                   <a:srgbClr val="FF0000"/>
                 </a:solidFill>
@@ -5122,7 +5141,7 @@
             <a:pPr marL="0" indent="0">
               <a:buNone/>
             </a:pPr>
-            <a:endParaRPr lang="en-IN" sz="3400" dirty="0" smtClean="0">
+            <a:endParaRPr lang="en-IN" sz="3400" dirty="0">
               <a:solidFill>
                 <a:srgbClr val="FF0000"/>
               </a:solidFill>
@@ -5133,7 +5152,7 @@
               <a:buNone/>
             </a:pPr>
             <a:r>
-              <a:rPr lang="en-IN" dirty="0" smtClean="0"/>
+              <a:rPr lang="en-IN" dirty="0"/>
               <a:t>	Example</a:t>
             </a:r>
           </a:p>
@@ -5142,11 +5161,11 @@
               <a:buNone/>
             </a:pPr>
             <a:r>
-              <a:rPr lang="en-IN" dirty="0" smtClean="0"/>
+              <a:rPr lang="en-IN" dirty="0"/>
               <a:t>	</a:t>
             </a:r>
             <a:r>
-              <a:rPr lang="en-IN" sz="3400" dirty="0" err="1" smtClean="0">
+              <a:rPr lang="en-IN" sz="3400" dirty="0" err="1">
                 <a:solidFill>
                   <a:srgbClr val="FF0000"/>
                 </a:solidFill>
@@ -5154,7 +5173,7 @@
               <a:t>ptr</a:t>
             </a:r>
             <a:r>
-              <a:rPr lang="en-IN" sz="3400" dirty="0" smtClean="0">
+              <a:rPr lang="en-IN" sz="3400" dirty="0">
                 <a:solidFill>
                   <a:srgbClr val="FF0000"/>
                 </a:solidFill>
@@ -5162,7 +5181,7 @@
               <a:t> = (</a:t>
             </a:r>
             <a:r>
-              <a:rPr lang="en-IN" sz="3400" dirty="0" err="1" smtClean="0">
+              <a:rPr lang="en-IN" sz="3400" dirty="0" err="1">
                 <a:solidFill>
                   <a:srgbClr val="FF0000"/>
                 </a:solidFill>
@@ -5170,7 +5189,7 @@
               <a:t>int</a:t>
             </a:r>
             <a:r>
-              <a:rPr lang="en-IN" sz="3400" dirty="0" smtClean="0">
+              <a:rPr lang="en-IN" sz="3400" dirty="0">
                 <a:solidFill>
                   <a:srgbClr val="FF0000"/>
                 </a:solidFill>
@@ -5178,7 +5197,7 @@
               <a:t>*) </a:t>
             </a:r>
             <a:r>
-              <a:rPr lang="en-IN" sz="3400" dirty="0" err="1" smtClean="0">
+              <a:rPr lang="en-IN" sz="3400" dirty="0" err="1">
                 <a:solidFill>
                   <a:srgbClr val="FF0000"/>
                 </a:solidFill>
@@ -5186,7 +5205,7 @@
               <a:t>malloc</a:t>
             </a:r>
             <a:r>
-              <a:rPr lang="en-IN" sz="3400" dirty="0" smtClean="0">
+              <a:rPr lang="en-IN" sz="3400" dirty="0">
                 <a:solidFill>
                   <a:srgbClr val="FF0000"/>
                 </a:solidFill>
@@ -5194,7 +5213,7 @@
               <a:t>(100 * </a:t>
             </a:r>
             <a:r>
-              <a:rPr lang="en-IN" sz="3400" dirty="0" err="1" smtClean="0">
+              <a:rPr lang="en-IN" sz="3400" dirty="0" err="1">
                 <a:solidFill>
                   <a:srgbClr val="FF0000"/>
                 </a:solidFill>
@@ -5202,7 +5221,7 @@
               <a:t>sizeof</a:t>
             </a:r>
             <a:r>
-              <a:rPr lang="en-IN" sz="3400" dirty="0" smtClean="0">
+              <a:rPr lang="en-IN" sz="3400" dirty="0">
                 <a:solidFill>
                   <a:srgbClr val="FF0000"/>
                 </a:solidFill>
@@ -5210,7 +5229,7 @@
               <a:t>(</a:t>
             </a:r>
             <a:r>
-              <a:rPr lang="en-IN" sz="3400" dirty="0" err="1" smtClean="0">
+              <a:rPr lang="en-IN" sz="3400" dirty="0" err="1">
                 <a:solidFill>
                   <a:srgbClr val="FF0000"/>
                 </a:solidFill>
@@ -5218,7 +5237,7 @@
               <a:t>int</a:t>
             </a:r>
             <a:r>
-              <a:rPr lang="en-IN" sz="3400" dirty="0" smtClean="0">
+              <a:rPr lang="en-IN" sz="3400" dirty="0">
                 <a:solidFill>
                   <a:srgbClr val="FF0000"/>
                 </a:solidFill>
@@ -5230,7 +5249,7 @@
             <a:pPr marL="0" indent="0">
               <a:buNone/>
             </a:pPr>
-            <a:endParaRPr lang="en-IN" dirty="0" smtClean="0">
+            <a:endParaRPr lang="en-IN" dirty="0">
               <a:solidFill>
                 <a:srgbClr val="FF0000"/>
               </a:solidFill>
@@ -5239,11 +5258,7 @@
           <a:p>
             <a:r>
               <a:rPr lang="en-IN" dirty="0"/>
-              <a:t>f</a:t>
-            </a:r>
-            <a:r>
-              <a:rPr lang="en-IN" dirty="0" smtClean="0"/>
-              <a:t>ree()</a:t>
+              <a:t>free()</a:t>
             </a:r>
           </a:p>
           <a:p>
@@ -5268,46 +5283,38 @@
             </a:r>
             <a:r>
               <a:rPr lang="en-IN" dirty="0"/>
-              <a:t>() doesn't get freed on its own. You must explicitly use free() to release the space</a:t>
-            </a:r>
-            <a:r>
-              <a:rPr lang="en-IN" dirty="0" smtClean="0"/>
-              <a:t>.</a:t>
+              <a:t>() doesn't get freed on its own. You must explicitly use free() to release the space.</a:t>
             </a:r>
           </a:p>
           <a:p>
             <a:pPr marL="0" indent="0" algn="just">
               <a:buNone/>
             </a:pPr>
-            <a:endParaRPr lang="en-IN" dirty="0" smtClean="0"/>
-          </a:p>
-          <a:p>
-            <a:pPr marL="0" indent="0">
-              <a:buNone/>
-            </a:pPr>
-            <a:r>
-              <a:rPr lang="en-IN" b="1" dirty="0" smtClean="0"/>
+            <a:endParaRPr lang="en-IN" dirty="0"/>
+          </a:p>
+          <a:p>
+            <a:pPr marL="0" indent="0">
+              <a:buNone/>
+            </a:pPr>
+            <a:r>
+              <a:rPr lang="en-IN" b="1" dirty="0"/>
               <a:t>	</a:t>
             </a:r>
             <a:r>
-              <a:rPr lang="en-IN" dirty="0" smtClean="0"/>
-              <a:t>syntax </a:t>
-            </a:r>
-            <a:r>
-              <a:rPr lang="en-IN" dirty="0"/>
-              <a:t>of free()</a:t>
-            </a:r>
-          </a:p>
-          <a:p>
-            <a:pPr marL="0" indent="0">
-              <a:buNone/>
-            </a:pPr>
-            <a:r>
-              <a:rPr lang="en-IN" dirty="0" smtClean="0"/>
+              <a:rPr lang="en-IN" dirty="0"/>
+              <a:t>syntax of free()</a:t>
+            </a:r>
+          </a:p>
+          <a:p>
+            <a:pPr marL="0" indent="0">
+              <a:buNone/>
+            </a:pPr>
+            <a:r>
+              <a:rPr lang="en-IN" dirty="0"/>
               <a:t>	</a:t>
             </a:r>
             <a:r>
-              <a:rPr lang="en-IN" sz="3400" dirty="0" smtClean="0">
+              <a:rPr lang="en-IN" sz="3400" dirty="0">
                 <a:solidFill>
                   <a:srgbClr val="FF0000"/>
                 </a:solidFill>
@@ -5315,7 +5322,7 @@
               <a:t>free(</a:t>
             </a:r>
             <a:r>
-              <a:rPr lang="en-IN" sz="3400" dirty="0" err="1" smtClean="0">
+              <a:rPr lang="en-IN" sz="3400" dirty="0" err="1">
                 <a:solidFill>
                   <a:srgbClr val="FF0000"/>
                 </a:solidFill>
@@ -5323,18 +5330,13 @@
               <a:t>ptr</a:t>
             </a:r>
             <a:r>
-              <a:rPr lang="en-IN" sz="3400" dirty="0" smtClean="0">
+              <a:rPr lang="en-IN" sz="3400" dirty="0">
                 <a:solidFill>
                   <a:srgbClr val="FF0000"/>
                 </a:solidFill>
               </a:rPr>
               <a:t>);</a:t>
             </a:r>
-            <a:endParaRPr lang="en-IN" sz="3400" dirty="0">
-              <a:solidFill>
-                <a:srgbClr val="FF0000"/>
-              </a:solidFill>
-            </a:endParaRPr>
           </a:p>
         </p:txBody>
       </p:sp>
@@ -5391,18 +5393,17 @@
           <a:lstStyle/>
           <a:p>
             <a:r>
-              <a:rPr lang="en-IN" dirty="0" smtClean="0"/>
+              <a:rPr lang="en-IN" dirty="0"/>
               <a:t>Sum of N elements using </a:t>
             </a:r>
             <a:r>
-              <a:rPr lang="en-IN" dirty="0" err="1" smtClean="0"/>
+              <a:rPr lang="en-IN" dirty="0" err="1"/>
               <a:t>malloc</a:t>
             </a:r>
             <a:r>
-              <a:rPr lang="en-IN" dirty="0" smtClean="0"/>
+              <a:rPr lang="en-IN" dirty="0"/>
               <a:t>()</a:t>
             </a:r>
-            <a:endParaRPr lang="en-IN" dirty="0"/>
           </a:p>
         </p:txBody>
       </p:sp>
@@ -5432,15 +5433,15 @@
               <a:buNone/>
             </a:pPr>
             <a:r>
-              <a:rPr lang="en-IN" dirty="0" smtClean="0"/>
+              <a:rPr lang="en-IN" dirty="0"/>
               <a:t>#include &lt;</a:t>
             </a:r>
             <a:r>
-              <a:rPr lang="en-IN" dirty="0" err="1" smtClean="0"/>
+              <a:rPr lang="en-IN" dirty="0" err="1"/>
               <a:t>stdio.h</a:t>
             </a:r>
             <a:r>
-              <a:rPr lang="en-IN" dirty="0" smtClean="0"/>
+              <a:rPr lang="en-IN" dirty="0"/>
               <a:t>&gt;</a:t>
             </a:r>
           </a:p>
@@ -5449,15 +5450,15 @@
               <a:buNone/>
             </a:pPr>
             <a:r>
-              <a:rPr lang="en-IN" dirty="0" smtClean="0"/>
+              <a:rPr lang="en-IN" dirty="0"/>
               <a:t>#include &lt;</a:t>
             </a:r>
             <a:r>
-              <a:rPr lang="en-IN" dirty="0" err="1" smtClean="0"/>
+              <a:rPr lang="en-IN" dirty="0" err="1"/>
               <a:t>stdlib.h</a:t>
             </a:r>
             <a:r>
-              <a:rPr lang="en-IN" dirty="0" smtClean="0"/>
+              <a:rPr lang="en-IN" dirty="0"/>
               <a:t>&gt;</a:t>
             </a:r>
           </a:p>
@@ -5465,18 +5466,18 @@
             <a:pPr marL="0" indent="0">
               <a:buNone/>
             </a:pPr>
-            <a:endParaRPr lang="en-IN" dirty="0" smtClean="0"/>
-          </a:p>
-          <a:p>
-            <a:pPr marL="0" indent="0">
-              <a:buNone/>
-            </a:pPr>
-            <a:r>
-              <a:rPr lang="en-IN" dirty="0" err="1" smtClean="0"/>
+            <a:endParaRPr lang="en-IN" dirty="0"/>
+          </a:p>
+          <a:p>
+            <a:pPr marL="0" indent="0">
+              <a:buNone/>
+            </a:pPr>
+            <a:r>
+              <a:rPr lang="en-IN" dirty="0" err="1"/>
               <a:t>int</a:t>
             </a:r>
             <a:r>
-              <a:rPr lang="en-IN" dirty="0" smtClean="0"/>
+              <a:rPr lang="en-IN" dirty="0"/>
               <a:t> main()</a:t>
             </a:r>
           </a:p>
@@ -5485,7 +5486,7 @@
               <a:buNone/>
             </a:pPr>
             <a:r>
-              <a:rPr lang="en-IN" dirty="0" smtClean="0"/>
+              <a:rPr lang="en-IN" dirty="0"/>
               <a:t>{</a:t>
             </a:r>
           </a:p>
@@ -5494,39 +5495,39 @@
               <a:buNone/>
             </a:pPr>
             <a:r>
-              <a:rPr lang="en-IN" dirty="0" smtClean="0"/>
+              <a:rPr lang="en-IN" dirty="0"/>
               <a:t>    </a:t>
             </a:r>
             <a:r>
-              <a:rPr lang="en-IN" dirty="0" err="1" smtClean="0"/>
+              <a:rPr lang="en-IN" dirty="0" err="1"/>
               <a:t>int</a:t>
             </a:r>
             <a:r>
-              <a:rPr lang="en-IN" dirty="0" smtClean="0"/>
+              <a:rPr lang="en-IN" dirty="0"/>
               <a:t> </a:t>
             </a:r>
             <a:r>
-              <a:rPr lang="en-IN" dirty="0" err="1" smtClean="0"/>
+              <a:rPr lang="en-IN" dirty="0" err="1"/>
               <a:t>num</a:t>
             </a:r>
             <a:r>
-              <a:rPr lang="en-IN" dirty="0" smtClean="0"/>
+              <a:rPr lang="en-IN" dirty="0"/>
               <a:t>, </a:t>
             </a:r>
             <a:r>
-              <a:rPr lang="en-IN" dirty="0" err="1" smtClean="0"/>
+              <a:rPr lang="en-IN" dirty="0" err="1"/>
               <a:t>i</a:t>
             </a:r>
             <a:r>
-              <a:rPr lang="en-IN" dirty="0" smtClean="0"/>
+              <a:rPr lang="en-IN" dirty="0"/>
               <a:t>, *</a:t>
             </a:r>
             <a:r>
-              <a:rPr lang="en-IN" dirty="0" err="1" smtClean="0"/>
+              <a:rPr lang="en-IN" dirty="0" err="1"/>
               <a:t>ptr</a:t>
             </a:r>
             <a:r>
-              <a:rPr lang="en-IN" dirty="0" smtClean="0"/>
+              <a:rPr lang="en-IN" dirty="0"/>
               <a:t>, sum = 0;</a:t>
             </a:r>
           </a:p>
@@ -5534,22 +5535,22 @@
             <a:pPr marL="0" indent="0">
               <a:buNone/>
             </a:pPr>
-            <a:endParaRPr lang="en-IN" dirty="0" smtClean="0"/>
-          </a:p>
-          <a:p>
-            <a:pPr marL="0" indent="0">
-              <a:buNone/>
-            </a:pPr>
-            <a:r>
-              <a:rPr lang="en-IN" dirty="0" smtClean="0"/>
+            <a:endParaRPr lang="en-IN" dirty="0"/>
+          </a:p>
+          <a:p>
+            <a:pPr marL="0" indent="0">
+              <a:buNone/>
+            </a:pPr>
+            <a:r>
+              <a:rPr lang="en-IN" dirty="0"/>
               <a:t>    </a:t>
             </a:r>
             <a:r>
-              <a:rPr lang="en-IN" dirty="0" err="1" smtClean="0"/>
+              <a:rPr lang="en-IN" dirty="0" err="1"/>
               <a:t>printf</a:t>
             </a:r>
             <a:r>
-              <a:rPr lang="en-IN" dirty="0" smtClean="0"/>
+              <a:rPr lang="en-IN" dirty="0"/>
               <a:t>("Enter number of elements: ");</a:t>
             </a:r>
           </a:p>
@@ -5558,23 +5559,23 @@
               <a:buNone/>
             </a:pPr>
             <a:r>
-              <a:rPr lang="en-IN" dirty="0" smtClean="0"/>
+              <a:rPr lang="en-IN" dirty="0"/>
               <a:t>    </a:t>
             </a:r>
             <a:r>
-              <a:rPr lang="en-IN" dirty="0" err="1" smtClean="0"/>
+              <a:rPr lang="en-IN" dirty="0" err="1"/>
               <a:t>scanf</a:t>
             </a:r>
             <a:r>
-              <a:rPr lang="en-IN" dirty="0" smtClean="0"/>
+              <a:rPr lang="en-IN" dirty="0"/>
               <a:t>("%d", &amp;</a:t>
             </a:r>
             <a:r>
-              <a:rPr lang="en-IN" dirty="0" err="1" smtClean="0"/>
+              <a:rPr lang="en-IN" dirty="0" err="1"/>
               <a:t>num</a:t>
             </a:r>
             <a:r>
-              <a:rPr lang="en-IN" dirty="0" smtClean="0"/>
+              <a:rPr lang="en-IN" dirty="0"/>
               <a:t>);</a:t>
             </a:r>
           </a:p>
@@ -5589,77 +5590,77 @@
               <a:buNone/>
             </a:pPr>
             <a:r>
-              <a:rPr lang="en-IN" sz="3100" b="1" dirty="0" err="1" smtClean="0"/>
+              <a:rPr lang="en-IN" sz="3100" b="1" dirty="0" err="1"/>
               <a:t>ptr</a:t>
             </a:r>
             <a:r>
-              <a:rPr lang="en-IN" sz="3100" b="1" dirty="0" smtClean="0"/>
+              <a:rPr lang="en-IN" sz="3100" b="1" dirty="0"/>
               <a:t> = (</a:t>
             </a:r>
             <a:r>
-              <a:rPr lang="en-IN" sz="3100" b="1" dirty="0" err="1" smtClean="0"/>
+              <a:rPr lang="en-IN" sz="3100" b="1" dirty="0" err="1"/>
               <a:t>int</a:t>
             </a:r>
             <a:r>
-              <a:rPr lang="en-IN" sz="3100" b="1" dirty="0" smtClean="0"/>
+              <a:rPr lang="en-IN" sz="3100" b="1" dirty="0"/>
               <a:t>*) </a:t>
             </a:r>
             <a:r>
-              <a:rPr lang="en-IN" sz="3100" b="1" dirty="0" err="1" smtClean="0"/>
+              <a:rPr lang="en-IN" sz="3100" b="1" dirty="0" err="1"/>
               <a:t>malloc</a:t>
             </a:r>
             <a:r>
-              <a:rPr lang="en-IN" sz="3100" b="1" dirty="0" smtClean="0"/>
+              <a:rPr lang="en-IN" sz="3100" b="1" dirty="0"/>
               <a:t>(</a:t>
             </a:r>
             <a:r>
-              <a:rPr lang="en-IN" sz="3100" b="1" dirty="0" err="1" smtClean="0"/>
+              <a:rPr lang="en-IN" sz="3100" b="1" dirty="0" err="1"/>
               <a:t>num</a:t>
             </a:r>
             <a:r>
-              <a:rPr lang="en-IN" sz="3100" b="1" dirty="0" smtClean="0"/>
+              <a:rPr lang="en-IN" sz="3100" b="1" dirty="0"/>
               <a:t> * </a:t>
             </a:r>
             <a:r>
-              <a:rPr lang="en-IN" sz="3100" b="1" dirty="0" err="1" smtClean="0"/>
+              <a:rPr lang="en-IN" sz="3100" b="1" dirty="0" err="1"/>
               <a:t>sizeof</a:t>
             </a:r>
             <a:r>
-              <a:rPr lang="en-IN" sz="3100" b="1" dirty="0" smtClean="0"/>
+              <a:rPr lang="en-IN" sz="3100" b="1" dirty="0"/>
               <a:t>(</a:t>
             </a:r>
             <a:r>
-              <a:rPr lang="en-IN" sz="3100" b="1" dirty="0" err="1" smtClean="0"/>
+              <a:rPr lang="en-IN" sz="3100" b="1" dirty="0" err="1"/>
               <a:t>int</a:t>
             </a:r>
             <a:r>
-              <a:rPr lang="en-IN" sz="3100" b="1" dirty="0" smtClean="0"/>
+              <a:rPr lang="en-IN" sz="3100" b="1" dirty="0"/>
               <a:t>));  </a:t>
             </a:r>
             <a:r>
-              <a:rPr lang="en-IN" dirty="0" smtClean="0"/>
+              <a:rPr lang="en-IN" dirty="0"/>
               <a:t>//memory allocated using </a:t>
             </a:r>
             <a:r>
-              <a:rPr lang="en-IN" dirty="0" err="1" smtClean="0"/>
+              <a:rPr lang="en-IN" dirty="0" err="1"/>
               <a:t>malloc</a:t>
             </a:r>
-            <a:endParaRPr lang="en-IN" dirty="0" smtClean="0"/>
-          </a:p>
-          <a:p>
-            <a:pPr marL="0" indent="0">
-              <a:buNone/>
-            </a:pPr>
-            <a:r>
-              <a:rPr lang="en-IN" dirty="0" smtClean="0"/>
+            <a:endParaRPr lang="en-IN" dirty="0"/>
+          </a:p>
+          <a:p>
+            <a:pPr marL="0" indent="0">
+              <a:buNone/>
+            </a:pPr>
+            <a:r>
+              <a:rPr lang="en-IN" dirty="0"/>
               <a:t>    if(</a:t>
             </a:r>
             <a:r>
-              <a:rPr lang="en-IN" dirty="0" err="1" smtClean="0"/>
+              <a:rPr lang="en-IN" dirty="0" err="1"/>
               <a:t>ptr</a:t>
             </a:r>
             <a:r>
-              <a:rPr lang="en-IN" dirty="0" smtClean="0"/>
+              <a:rPr lang="en-IN" dirty="0"/>
               <a:t> == NULL)                     </a:t>
             </a:r>
           </a:p>
@@ -5668,7 +5669,7 @@
               <a:buNone/>
             </a:pPr>
             <a:r>
-              <a:rPr lang="en-IN" dirty="0" smtClean="0"/>
+              <a:rPr lang="en-IN" dirty="0"/>
               <a:t>    {</a:t>
             </a:r>
           </a:p>
@@ -5677,15 +5678,15 @@
               <a:buNone/>
             </a:pPr>
             <a:r>
-              <a:rPr lang="en-IN" dirty="0" smtClean="0"/>
+              <a:rPr lang="en-IN" dirty="0"/>
               <a:t>        </a:t>
             </a:r>
             <a:r>
-              <a:rPr lang="en-IN" dirty="0" err="1" smtClean="0"/>
+              <a:rPr lang="en-IN" dirty="0" err="1"/>
               <a:t>printf</a:t>
             </a:r>
             <a:r>
-              <a:rPr lang="en-IN" dirty="0" smtClean="0"/>
+              <a:rPr lang="en-IN" dirty="0"/>
               <a:t>("Error! memory not allocated.");</a:t>
             </a:r>
           </a:p>
@@ -5694,7 +5695,7 @@
               <a:buNone/>
             </a:pPr>
             <a:r>
-              <a:rPr lang="en-IN" dirty="0" smtClean="0"/>
+              <a:rPr lang="en-IN" dirty="0"/>
               <a:t>        exit(0);</a:t>
             </a:r>
           </a:p>
@@ -5703,7 +5704,7 @@
               <a:buNone/>
             </a:pPr>
             <a:r>
-              <a:rPr lang="en-IN" dirty="0" smtClean="0"/>
+              <a:rPr lang="en-IN" dirty="0"/>
               <a:t>    }</a:t>
             </a:r>
           </a:p>
@@ -5711,7 +5712,7 @@
             <a:pPr marL="0" indent="0">
               <a:buNone/>
             </a:pPr>
-            <a:endParaRPr lang="en-IN" dirty="0" smtClean="0"/>
+            <a:endParaRPr lang="en-IN" dirty="0"/>
           </a:p>
         </p:txBody>
       </p:sp>
@@ -5741,15 +5742,15 @@
               <a:buNone/>
             </a:pPr>
             <a:r>
-              <a:rPr lang="en-IN" dirty="0" smtClean="0"/>
+              <a:rPr lang="en-IN" dirty="0"/>
               <a:t> </a:t>
             </a:r>
             <a:r>
-              <a:rPr lang="en-IN" dirty="0" err="1" smtClean="0"/>
+              <a:rPr lang="en-IN" dirty="0" err="1"/>
               <a:t>printf</a:t>
             </a:r>
             <a:r>
-              <a:rPr lang="en-IN" dirty="0" smtClean="0"/>
+              <a:rPr lang="en-IN" dirty="0"/>
               <a:t>("Enter elements of array: ");</a:t>
             </a:r>
           </a:p>
@@ -5758,39 +5759,39 @@
               <a:buNone/>
             </a:pPr>
             <a:r>
-              <a:rPr lang="en-IN" dirty="0" smtClean="0"/>
+              <a:rPr lang="en-IN" dirty="0"/>
               <a:t>    for(</a:t>
             </a:r>
             <a:r>
-              <a:rPr lang="en-IN" dirty="0" err="1" smtClean="0"/>
+              <a:rPr lang="en-IN" dirty="0" err="1"/>
               <a:t>i</a:t>
             </a:r>
             <a:r>
-              <a:rPr lang="en-IN" dirty="0" smtClean="0"/>
+              <a:rPr lang="en-IN" dirty="0"/>
               <a:t> = 0; </a:t>
             </a:r>
             <a:r>
-              <a:rPr lang="en-IN" dirty="0" err="1" smtClean="0"/>
+              <a:rPr lang="en-IN" dirty="0" err="1"/>
               <a:t>i</a:t>
             </a:r>
             <a:r>
-              <a:rPr lang="en-IN" dirty="0" smtClean="0"/>
+              <a:rPr lang="en-IN" dirty="0"/>
               <a:t> &lt; </a:t>
             </a:r>
             <a:r>
-              <a:rPr lang="en-IN" dirty="0" err="1" smtClean="0"/>
+              <a:rPr lang="en-IN" dirty="0" err="1"/>
               <a:t>num</a:t>
             </a:r>
             <a:r>
-              <a:rPr lang="en-IN" dirty="0" smtClean="0"/>
+              <a:rPr lang="en-IN" dirty="0"/>
               <a:t>; ++</a:t>
             </a:r>
             <a:r>
-              <a:rPr lang="en-IN" dirty="0" err="1" smtClean="0"/>
+              <a:rPr lang="en-IN" dirty="0" err="1"/>
               <a:t>i</a:t>
             </a:r>
             <a:r>
-              <a:rPr lang="en-IN" dirty="0" smtClean="0"/>
+              <a:rPr lang="en-IN" dirty="0"/>
               <a:t>)</a:t>
             </a:r>
           </a:p>
@@ -5799,7 +5800,7 @@
               <a:buNone/>
             </a:pPr>
             <a:r>
-              <a:rPr lang="en-IN" dirty="0" smtClean="0"/>
+              <a:rPr lang="en-IN" dirty="0"/>
               <a:t>    {</a:t>
             </a:r>
           </a:p>
@@ -5808,31 +5809,31 @@
               <a:buNone/>
             </a:pPr>
             <a:r>
-              <a:rPr lang="en-IN" dirty="0" smtClean="0"/>
+              <a:rPr lang="en-IN" dirty="0"/>
               <a:t>        </a:t>
             </a:r>
             <a:r>
-              <a:rPr lang="en-IN" dirty="0" err="1" smtClean="0"/>
+              <a:rPr lang="en-IN" dirty="0" err="1"/>
               <a:t>scanf</a:t>
             </a:r>
             <a:r>
-              <a:rPr lang="en-IN" dirty="0" smtClean="0"/>
+              <a:rPr lang="en-IN" dirty="0"/>
               <a:t>("%d", </a:t>
             </a:r>
             <a:r>
-              <a:rPr lang="en-IN" dirty="0" err="1" smtClean="0"/>
+              <a:rPr lang="en-IN" dirty="0" err="1"/>
               <a:t>ptr</a:t>
             </a:r>
             <a:r>
-              <a:rPr lang="en-IN" dirty="0" smtClean="0"/>
+              <a:rPr lang="en-IN" dirty="0"/>
               <a:t> + </a:t>
             </a:r>
             <a:r>
-              <a:rPr lang="en-IN" dirty="0" err="1" smtClean="0"/>
+              <a:rPr lang="en-IN" dirty="0" err="1"/>
               <a:t>i</a:t>
             </a:r>
             <a:r>
-              <a:rPr lang="en-IN" dirty="0" smtClean="0"/>
+              <a:rPr lang="en-IN" dirty="0"/>
               <a:t>);</a:t>
             </a:r>
           </a:p>
@@ -5841,23 +5842,23 @@
               <a:buNone/>
             </a:pPr>
             <a:r>
-              <a:rPr lang="en-IN" dirty="0" smtClean="0"/>
+              <a:rPr lang="en-IN" dirty="0"/>
               <a:t>        sum += *(</a:t>
             </a:r>
             <a:r>
-              <a:rPr lang="en-IN" dirty="0" err="1" smtClean="0"/>
+              <a:rPr lang="en-IN" dirty="0" err="1"/>
               <a:t>ptr</a:t>
             </a:r>
             <a:r>
-              <a:rPr lang="en-IN" dirty="0" smtClean="0"/>
+              <a:rPr lang="en-IN" dirty="0"/>
               <a:t> + </a:t>
             </a:r>
             <a:r>
-              <a:rPr lang="en-IN" dirty="0" err="1" smtClean="0"/>
+              <a:rPr lang="en-IN" dirty="0" err="1"/>
               <a:t>i</a:t>
             </a:r>
             <a:r>
-              <a:rPr lang="en-IN" dirty="0" smtClean="0"/>
+              <a:rPr lang="en-IN" dirty="0"/>
               <a:t>);</a:t>
             </a:r>
           </a:p>
@@ -5866,7 +5867,7 @@
               <a:buNone/>
             </a:pPr>
             <a:r>
-              <a:rPr lang="en-IN" dirty="0" smtClean="0"/>
+              <a:rPr lang="en-IN" dirty="0"/>
               <a:t>    }</a:t>
             </a:r>
           </a:p>
@@ -5874,22 +5875,22 @@
             <a:pPr marL="0" indent="0">
               <a:buNone/>
             </a:pPr>
-            <a:endParaRPr lang="en-IN" dirty="0" smtClean="0"/>
-          </a:p>
-          <a:p>
-            <a:pPr marL="0" indent="0">
-              <a:buNone/>
-            </a:pPr>
-            <a:r>
-              <a:rPr lang="en-IN" dirty="0" smtClean="0"/>
+            <a:endParaRPr lang="en-IN" dirty="0"/>
+          </a:p>
+          <a:p>
+            <a:pPr marL="0" indent="0">
+              <a:buNone/>
+            </a:pPr>
+            <a:r>
+              <a:rPr lang="en-IN" dirty="0"/>
               <a:t>    </a:t>
             </a:r>
             <a:r>
-              <a:rPr lang="en-IN" dirty="0" err="1" smtClean="0"/>
+              <a:rPr lang="en-IN" dirty="0" err="1"/>
               <a:t>printf</a:t>
             </a:r>
             <a:r>
-              <a:rPr lang="en-IN" dirty="0" smtClean="0"/>
+              <a:rPr lang="en-IN" dirty="0"/>
               <a:t>("Sum = %d", sum);</a:t>
             </a:r>
           </a:p>
@@ -5898,15 +5899,15 @@
               <a:buNone/>
             </a:pPr>
             <a:r>
-              <a:rPr lang="en-IN" dirty="0" smtClean="0"/>
+              <a:rPr lang="en-IN" dirty="0"/>
               <a:t>    free(</a:t>
             </a:r>
             <a:r>
-              <a:rPr lang="en-IN" dirty="0" err="1" smtClean="0"/>
+              <a:rPr lang="en-IN" dirty="0" err="1"/>
               <a:t>ptr</a:t>
             </a:r>
             <a:r>
-              <a:rPr lang="en-IN" dirty="0" smtClean="0"/>
+              <a:rPr lang="en-IN" dirty="0"/>
               <a:t>);</a:t>
             </a:r>
           </a:p>
@@ -5915,7 +5916,7 @@
               <a:buNone/>
             </a:pPr>
             <a:r>
-              <a:rPr lang="en-IN" dirty="0" smtClean="0"/>
+              <a:rPr lang="en-IN" dirty="0"/>
               <a:t>    return 0;</a:t>
             </a:r>
           </a:p>
@@ -5924,10 +5925,9 @@
               <a:buNone/>
             </a:pPr>
             <a:r>
-              <a:rPr lang="en-IN" dirty="0" smtClean="0"/>
+              <a:rPr lang="en-IN" dirty="0"/>
               <a:t>}</a:t>
             </a:r>
-            <a:endParaRPr lang="en-IN" dirty="0"/>
           </a:p>
         </p:txBody>
       </p:sp>
@@ -5985,17 +5985,12 @@
           <a:p>
             <a:r>
               <a:rPr lang="en-IN" dirty="0" err="1"/>
-              <a:t>c</a:t>
-            </a:r>
-            <a:r>
-              <a:rPr lang="en-IN" dirty="0" err="1" smtClean="0"/>
-              <a:t>alloc</a:t>
-            </a:r>
-            <a:r>
-              <a:rPr lang="en-IN" dirty="0" smtClean="0"/>
+              <a:t>calloc</a:t>
+            </a:r>
+            <a:r>
+              <a:rPr lang="en-IN" dirty="0"/>
               <a:t>()</a:t>
             </a:r>
-            <a:endParaRPr lang="en-IN" dirty="0"/>
           </a:p>
         </p:txBody>
       </p:sp>
@@ -6031,15 +6026,11 @@
             </a:r>
             <a:r>
               <a:rPr lang="en-IN" dirty="0"/>
-              <a:t> stands for "contiguous allocation</a:t>
-            </a:r>
-            <a:r>
-              <a:rPr lang="en-IN" dirty="0" smtClean="0"/>
-              <a:t>".</a:t>
-            </a:r>
-          </a:p>
-          <a:p>
-            <a:endParaRPr lang="en-IN" dirty="0" smtClean="0"/>
+              <a:t> stands for "contiguous allocation".</a:t>
+            </a:r>
+          </a:p>
+          <a:p>
+            <a:endParaRPr lang="en-IN" dirty="0"/>
           </a:p>
           <a:p>
             <a:r>
@@ -6076,15 +6067,11 @@
             </a:r>
             <a:r>
               <a:rPr lang="en-IN" dirty="0"/>
-              <a:t>() allocates multiple blocks of memory each of same size and sets all bytes to zero</a:t>
-            </a:r>
-            <a:r>
-              <a:rPr lang="en-IN" dirty="0" smtClean="0"/>
-              <a:t>.</a:t>
-            </a:r>
-          </a:p>
-          <a:p>
-            <a:endParaRPr lang="en-IN" dirty="0" smtClean="0"/>
+              <a:t>() allocates multiple blocks of memory each of same size and sets all bytes to zero.</a:t>
+            </a:r>
+          </a:p>
+          <a:p>
+            <a:endParaRPr lang="en-IN" dirty="0"/>
           </a:p>
           <a:p>
             <a:r>
@@ -6105,7 +6092,7 @@
               <a:buNone/>
             </a:pPr>
             <a:r>
-              <a:rPr lang="en-IN" dirty="0" smtClean="0">
+              <a:rPr lang="en-IN" dirty="0">
                 <a:solidFill>
                   <a:srgbClr val="FF0000"/>
                 </a:solidFill>
@@ -6113,7 +6100,7 @@
               <a:t>	</a:t>
             </a:r>
             <a:r>
-              <a:rPr lang="en-IN" dirty="0" err="1" smtClean="0">
+              <a:rPr lang="en-IN" dirty="0" err="1">
                 <a:solidFill>
                   <a:srgbClr val="FF0000"/>
                 </a:solidFill>
@@ -6121,7 +6108,7 @@
               <a:t>ptr</a:t>
             </a:r>
             <a:r>
-              <a:rPr lang="en-IN" dirty="0" smtClean="0">
+              <a:rPr lang="en-IN" dirty="0">
                 <a:solidFill>
                   <a:srgbClr val="FF0000"/>
                 </a:solidFill>
@@ -6129,7 +6116,7 @@
               <a:t> = (cast-type*)</a:t>
             </a:r>
             <a:r>
-              <a:rPr lang="en-IN" dirty="0" err="1" smtClean="0">
+              <a:rPr lang="en-IN" dirty="0" err="1">
                 <a:solidFill>
                   <a:srgbClr val="FF0000"/>
                 </a:solidFill>
@@ -6137,7 +6124,7 @@
               <a:t>calloc</a:t>
             </a:r>
             <a:r>
-              <a:rPr lang="en-IN" dirty="0" smtClean="0">
+              <a:rPr lang="en-IN" dirty="0">
                 <a:solidFill>
                   <a:srgbClr val="FF0000"/>
                 </a:solidFill>
@@ -6147,20 +6134,16 @@
           </a:p>
           <a:p>
             <a:r>
-              <a:rPr lang="en-IN" dirty="0" smtClean="0"/>
-              <a:t>Example</a:t>
-            </a:r>
-            <a:r>
-              <a:rPr lang="en-IN" dirty="0"/>
-              <a:t>:</a:t>
-            </a:r>
-          </a:p>
-          <a:p>
-            <a:pPr marL="0" indent="0">
-              <a:buNone/>
-            </a:pPr>
-            <a:r>
-              <a:rPr lang="en-IN" dirty="0" smtClean="0">
+              <a:rPr lang="en-IN" dirty="0"/>
+              <a:t>Example:</a:t>
+            </a:r>
+          </a:p>
+          <a:p>
+            <a:pPr marL="0" indent="0">
+              <a:buNone/>
+            </a:pPr>
+            <a:r>
+              <a:rPr lang="en-IN" dirty="0">
                 <a:solidFill>
                   <a:srgbClr val="FF0000"/>
                 </a:solidFill>
@@ -6168,7 +6151,7 @@
               <a:t>	</a:t>
             </a:r>
             <a:r>
-              <a:rPr lang="en-IN" dirty="0" err="1" smtClean="0">
+              <a:rPr lang="en-IN" dirty="0" err="1">
                 <a:solidFill>
                   <a:srgbClr val="FF0000"/>
                 </a:solidFill>
@@ -6176,7 +6159,7 @@
               <a:t>ptr</a:t>
             </a:r>
             <a:r>
-              <a:rPr lang="en-IN" dirty="0" smtClean="0">
+              <a:rPr lang="en-IN" dirty="0">
                 <a:solidFill>
                   <a:srgbClr val="FF0000"/>
                 </a:solidFill>
@@ -6184,7 +6167,7 @@
               <a:t> = (float*) </a:t>
             </a:r>
             <a:r>
-              <a:rPr lang="en-IN" dirty="0" err="1" smtClean="0">
+              <a:rPr lang="en-IN" dirty="0" err="1">
                 <a:solidFill>
                   <a:srgbClr val="FF0000"/>
                 </a:solidFill>
@@ -6192,7 +6175,7 @@
               <a:t>calloc</a:t>
             </a:r>
             <a:r>
-              <a:rPr lang="en-IN" dirty="0" smtClean="0">
+              <a:rPr lang="en-IN" dirty="0">
                 <a:solidFill>
                   <a:srgbClr val="FF0000"/>
                 </a:solidFill>
@@ -6200,7 +6183,7 @@
               <a:t>(25, </a:t>
             </a:r>
             <a:r>
-              <a:rPr lang="en-IN" dirty="0" err="1" smtClean="0">
+              <a:rPr lang="en-IN" dirty="0" err="1">
                 <a:solidFill>
                   <a:srgbClr val="FF0000"/>
                 </a:solidFill>
@@ -6208,18 +6191,13 @@
               <a:t>sizeof</a:t>
             </a:r>
             <a:r>
-              <a:rPr lang="en-IN" dirty="0" smtClean="0">
+              <a:rPr lang="en-IN" dirty="0">
                 <a:solidFill>
                   <a:srgbClr val="FF0000"/>
                 </a:solidFill>
               </a:rPr>
               <a:t>(float));</a:t>
             </a:r>
-            <a:endParaRPr lang="en-IN" dirty="0">
-              <a:solidFill>
-                <a:srgbClr val="FF0000"/>
-              </a:solidFill>
-            </a:endParaRPr>
           </a:p>
         </p:txBody>
       </p:sp>
@@ -6274,22 +6252,17 @@
           <a:lstStyle/>
           <a:p>
             <a:r>
-              <a:rPr lang="en-IN" dirty="0" smtClean="0"/>
+              <a:rPr lang="en-IN" dirty="0"/>
               <a:t>Sum of N elements using </a:t>
             </a:r>
             <a:r>
               <a:rPr lang="en-IN" dirty="0" err="1"/>
-              <a:t>c</a:t>
-            </a:r>
-            <a:r>
-              <a:rPr lang="en-IN" dirty="0" err="1" smtClean="0"/>
-              <a:t>alloc</a:t>
-            </a:r>
-            <a:r>
-              <a:rPr lang="en-IN" dirty="0" smtClean="0"/>
+              <a:t>calloc</a:t>
+            </a:r>
+            <a:r>
+              <a:rPr lang="en-IN" dirty="0"/>
               <a:t>()</a:t>
             </a:r>
-            <a:endParaRPr lang="en-IN" dirty="0"/>
           </a:p>
         </p:txBody>
       </p:sp>
@@ -6319,15 +6292,15 @@
               <a:buNone/>
             </a:pPr>
             <a:r>
-              <a:rPr lang="en-IN" dirty="0" smtClean="0"/>
+              <a:rPr lang="en-IN" dirty="0"/>
               <a:t>#include &lt;</a:t>
             </a:r>
             <a:r>
-              <a:rPr lang="en-IN" dirty="0" err="1" smtClean="0"/>
+              <a:rPr lang="en-IN" dirty="0" err="1"/>
               <a:t>stdio.h</a:t>
             </a:r>
             <a:r>
-              <a:rPr lang="en-IN" dirty="0" smtClean="0"/>
+              <a:rPr lang="en-IN" dirty="0"/>
               <a:t>&gt;</a:t>
             </a:r>
           </a:p>
@@ -6336,15 +6309,15 @@
               <a:buNone/>
             </a:pPr>
             <a:r>
-              <a:rPr lang="en-IN" dirty="0" smtClean="0"/>
+              <a:rPr lang="en-IN" dirty="0"/>
               <a:t>#include &lt;</a:t>
             </a:r>
             <a:r>
-              <a:rPr lang="en-IN" dirty="0" err="1" smtClean="0"/>
+              <a:rPr lang="en-IN" dirty="0" err="1"/>
               <a:t>stdlib.h</a:t>
             </a:r>
             <a:r>
-              <a:rPr lang="en-IN" dirty="0" smtClean="0"/>
+              <a:rPr lang="en-IN" dirty="0"/>
               <a:t>&gt;</a:t>
             </a:r>
           </a:p>
@@ -6352,18 +6325,18 @@
             <a:pPr marL="0" indent="0">
               <a:buNone/>
             </a:pPr>
-            <a:endParaRPr lang="en-IN" dirty="0" smtClean="0"/>
-          </a:p>
-          <a:p>
-            <a:pPr marL="0" indent="0">
-              <a:buNone/>
-            </a:pPr>
-            <a:r>
-              <a:rPr lang="en-IN" dirty="0" err="1" smtClean="0"/>
+            <a:endParaRPr lang="en-IN" dirty="0"/>
+          </a:p>
+          <a:p>
+            <a:pPr marL="0" indent="0">
+              <a:buNone/>
+            </a:pPr>
+            <a:r>
+              <a:rPr lang="en-IN" dirty="0" err="1"/>
               <a:t>int</a:t>
             </a:r>
             <a:r>
-              <a:rPr lang="en-IN" dirty="0" smtClean="0"/>
+              <a:rPr lang="en-IN" dirty="0"/>
               <a:t> main()</a:t>
             </a:r>
           </a:p>
@@ -6372,7 +6345,7 @@
               <a:buNone/>
             </a:pPr>
             <a:r>
-              <a:rPr lang="en-IN" dirty="0" smtClean="0"/>
+              <a:rPr lang="en-IN" dirty="0"/>
               <a:t>{</a:t>
             </a:r>
           </a:p>
@@ -6381,39 +6354,39 @@
               <a:buNone/>
             </a:pPr>
             <a:r>
-              <a:rPr lang="en-IN" dirty="0" smtClean="0"/>
+              <a:rPr lang="en-IN" dirty="0"/>
               <a:t>    </a:t>
             </a:r>
             <a:r>
-              <a:rPr lang="en-IN" dirty="0" err="1" smtClean="0"/>
+              <a:rPr lang="en-IN" dirty="0" err="1"/>
               <a:t>int</a:t>
             </a:r>
             <a:r>
-              <a:rPr lang="en-IN" dirty="0" smtClean="0"/>
+              <a:rPr lang="en-IN" dirty="0"/>
               <a:t> </a:t>
             </a:r>
             <a:r>
-              <a:rPr lang="en-IN" dirty="0" err="1" smtClean="0"/>
+              <a:rPr lang="en-IN" dirty="0" err="1"/>
               <a:t>num</a:t>
             </a:r>
             <a:r>
-              <a:rPr lang="en-IN" dirty="0" smtClean="0"/>
+              <a:rPr lang="en-IN" dirty="0"/>
               <a:t>, </a:t>
             </a:r>
             <a:r>
-              <a:rPr lang="en-IN" dirty="0" err="1" smtClean="0"/>
+              <a:rPr lang="en-IN" dirty="0" err="1"/>
               <a:t>i</a:t>
             </a:r>
             <a:r>
-              <a:rPr lang="en-IN" dirty="0" smtClean="0"/>
+              <a:rPr lang="en-IN" dirty="0"/>
               <a:t>, *</a:t>
             </a:r>
             <a:r>
-              <a:rPr lang="en-IN" dirty="0" err="1" smtClean="0"/>
+              <a:rPr lang="en-IN" dirty="0" err="1"/>
               <a:t>ptr</a:t>
             </a:r>
             <a:r>
-              <a:rPr lang="en-IN" dirty="0" smtClean="0"/>
+              <a:rPr lang="en-IN" dirty="0"/>
               <a:t>, sum = 0;</a:t>
             </a:r>
           </a:p>
@@ -6422,15 +6395,15 @@
               <a:buNone/>
             </a:pPr>
             <a:r>
-              <a:rPr lang="en-IN" dirty="0" smtClean="0"/>
+              <a:rPr lang="en-IN" dirty="0"/>
               <a:t>    </a:t>
             </a:r>
             <a:r>
-              <a:rPr lang="en-IN" dirty="0" err="1" smtClean="0"/>
+              <a:rPr lang="en-IN" dirty="0" err="1"/>
               <a:t>printf</a:t>
             </a:r>
             <a:r>
-              <a:rPr lang="en-IN" dirty="0" smtClean="0"/>
+              <a:rPr lang="en-IN" dirty="0"/>
               <a:t>("Enter number of elements: ");</a:t>
             </a:r>
           </a:p>
@@ -6439,23 +6412,23 @@
               <a:buNone/>
             </a:pPr>
             <a:r>
-              <a:rPr lang="en-IN" dirty="0" smtClean="0"/>
+              <a:rPr lang="en-IN" dirty="0"/>
               <a:t>    </a:t>
             </a:r>
             <a:r>
-              <a:rPr lang="en-IN" dirty="0" err="1" smtClean="0"/>
+              <a:rPr lang="en-IN" dirty="0" err="1"/>
               <a:t>scanf</a:t>
             </a:r>
             <a:r>
-              <a:rPr lang="en-IN" dirty="0" smtClean="0"/>
+              <a:rPr lang="en-IN" dirty="0"/>
               <a:t>("%d", &amp;</a:t>
             </a:r>
             <a:r>
-              <a:rPr lang="en-IN" dirty="0" err="1" smtClean="0"/>
+              <a:rPr lang="en-IN" dirty="0" err="1"/>
               <a:t>num</a:t>
             </a:r>
             <a:r>
-              <a:rPr lang="en-IN" dirty="0" smtClean="0"/>
+              <a:rPr lang="en-IN" dirty="0"/>
               <a:t>);</a:t>
             </a:r>
           </a:p>
@@ -6463,62 +6436,62 @@
             <a:pPr marL="0" indent="0">
               <a:buNone/>
             </a:pPr>
-            <a:endParaRPr lang="en-IN" dirty="0" smtClean="0"/>
-          </a:p>
-          <a:p>
-            <a:pPr marL="0" indent="0">
-              <a:buNone/>
-            </a:pPr>
-            <a:r>
-              <a:rPr lang="en-IN" dirty="0" smtClean="0"/>
+            <a:endParaRPr lang="en-IN" dirty="0"/>
+          </a:p>
+          <a:p>
+            <a:pPr marL="0" indent="0">
+              <a:buNone/>
+            </a:pPr>
+            <a:r>
+              <a:rPr lang="en-IN" dirty="0"/>
               <a:t>    </a:t>
             </a:r>
             <a:r>
-              <a:rPr lang="en-IN" dirty="0" err="1" smtClean="0"/>
+              <a:rPr lang="en-IN" dirty="0" err="1"/>
               <a:t>ptr</a:t>
             </a:r>
             <a:r>
-              <a:rPr lang="en-IN" dirty="0" smtClean="0"/>
+              <a:rPr lang="en-IN" dirty="0"/>
               <a:t> = (</a:t>
             </a:r>
             <a:r>
-              <a:rPr lang="en-IN" dirty="0" err="1" smtClean="0"/>
+              <a:rPr lang="en-IN" dirty="0" err="1"/>
               <a:t>int</a:t>
             </a:r>
             <a:r>
-              <a:rPr lang="en-IN" dirty="0" smtClean="0"/>
+              <a:rPr lang="en-IN" dirty="0"/>
               <a:t>*) </a:t>
             </a:r>
             <a:r>
-              <a:rPr lang="en-IN" dirty="0" err="1" smtClean="0"/>
+              <a:rPr lang="en-IN" dirty="0" err="1"/>
               <a:t>calloc</a:t>
             </a:r>
             <a:r>
-              <a:rPr lang="en-IN" dirty="0" smtClean="0"/>
+              <a:rPr lang="en-IN" dirty="0"/>
               <a:t>(</a:t>
             </a:r>
             <a:r>
-              <a:rPr lang="en-IN" dirty="0" err="1" smtClean="0"/>
+              <a:rPr lang="en-IN" dirty="0" err="1"/>
               <a:t>num</a:t>
             </a:r>
             <a:r>
-              <a:rPr lang="en-IN" dirty="0" smtClean="0"/>
+              <a:rPr lang="en-IN" dirty="0"/>
               <a:t>, </a:t>
             </a:r>
             <a:r>
-              <a:rPr lang="en-IN" dirty="0" err="1" smtClean="0"/>
+              <a:rPr lang="en-IN" dirty="0" err="1"/>
               <a:t>sizeof</a:t>
             </a:r>
             <a:r>
-              <a:rPr lang="en-IN" dirty="0" smtClean="0"/>
+              <a:rPr lang="en-IN" dirty="0"/>
               <a:t>(</a:t>
             </a:r>
             <a:r>
-              <a:rPr lang="en-IN" dirty="0" err="1" smtClean="0"/>
+              <a:rPr lang="en-IN" dirty="0" err="1"/>
               <a:t>int</a:t>
             </a:r>
             <a:r>
-              <a:rPr lang="en-IN" dirty="0" smtClean="0"/>
+              <a:rPr lang="en-IN" dirty="0"/>
               <a:t>));</a:t>
             </a:r>
           </a:p>
@@ -6527,15 +6500,15 @@
               <a:buNone/>
             </a:pPr>
             <a:r>
-              <a:rPr lang="en-IN" dirty="0" smtClean="0"/>
+              <a:rPr lang="en-IN" dirty="0"/>
               <a:t>    if(</a:t>
             </a:r>
             <a:r>
-              <a:rPr lang="en-IN" dirty="0" err="1" smtClean="0"/>
+              <a:rPr lang="en-IN" dirty="0" err="1"/>
               <a:t>ptr</a:t>
             </a:r>
             <a:r>
-              <a:rPr lang="en-IN" dirty="0" smtClean="0"/>
+              <a:rPr lang="en-IN" dirty="0"/>
               <a:t> == NULL)</a:t>
             </a:r>
           </a:p>
@@ -6544,7 +6517,7 @@
               <a:buNone/>
             </a:pPr>
             <a:r>
-              <a:rPr lang="en-IN" dirty="0" smtClean="0"/>
+              <a:rPr lang="en-IN" dirty="0"/>
               <a:t>    {</a:t>
             </a:r>
           </a:p>
@@ -6553,15 +6526,15 @@
               <a:buNone/>
             </a:pPr>
             <a:r>
-              <a:rPr lang="en-IN" dirty="0" smtClean="0"/>
+              <a:rPr lang="en-IN" dirty="0"/>
               <a:t>        </a:t>
             </a:r>
             <a:r>
-              <a:rPr lang="en-IN" dirty="0" err="1" smtClean="0"/>
+              <a:rPr lang="en-IN" dirty="0" err="1"/>
               <a:t>printf</a:t>
             </a:r>
             <a:r>
-              <a:rPr lang="en-IN" dirty="0" smtClean="0"/>
+              <a:rPr lang="en-IN" dirty="0"/>
               <a:t>("Error! memory not allocated.");</a:t>
             </a:r>
           </a:p>
@@ -6570,7 +6543,7 @@
               <a:buNone/>
             </a:pPr>
             <a:r>
-              <a:rPr lang="en-IN" dirty="0" smtClean="0"/>
+              <a:rPr lang="en-IN" dirty="0"/>
               <a:t>        exit(0);</a:t>
             </a:r>
           </a:p>
@@ -6579,7 +6552,7 @@
               <a:buNone/>
             </a:pPr>
             <a:r>
-              <a:rPr lang="en-IN" dirty="0" smtClean="0"/>
+              <a:rPr lang="en-IN" dirty="0"/>
               <a:t>    }</a:t>
             </a:r>
           </a:p>
@@ -6587,7 +6560,7 @@
             <a:pPr marL="0" indent="0">
               <a:buNone/>
             </a:pPr>
-            <a:endParaRPr lang="en-IN" dirty="0" smtClean="0"/>
+            <a:endParaRPr lang="en-IN" dirty="0"/>
           </a:p>
         </p:txBody>
       </p:sp>
@@ -6617,15 +6590,15 @@
               <a:buNone/>
             </a:pPr>
             <a:r>
-              <a:rPr lang="en-IN" dirty="0" smtClean="0"/>
+              <a:rPr lang="en-IN" dirty="0"/>
               <a:t> </a:t>
             </a:r>
             <a:r>
-              <a:rPr lang="en-IN" dirty="0" err="1" smtClean="0"/>
+              <a:rPr lang="en-IN" dirty="0" err="1"/>
               <a:t>printf</a:t>
             </a:r>
             <a:r>
-              <a:rPr lang="en-IN" dirty="0" smtClean="0"/>
+              <a:rPr lang="en-IN" dirty="0"/>
               <a:t>("Enter elements of array: ");</a:t>
             </a:r>
           </a:p>
@@ -6634,39 +6607,39 @@
               <a:buNone/>
             </a:pPr>
             <a:r>
-              <a:rPr lang="en-IN" dirty="0" smtClean="0"/>
+              <a:rPr lang="en-IN" dirty="0"/>
               <a:t>    for(</a:t>
             </a:r>
             <a:r>
-              <a:rPr lang="en-IN" dirty="0" err="1" smtClean="0"/>
+              <a:rPr lang="en-IN" dirty="0" err="1"/>
               <a:t>i</a:t>
             </a:r>
             <a:r>
-              <a:rPr lang="en-IN" dirty="0" smtClean="0"/>
+              <a:rPr lang="en-IN" dirty="0"/>
               <a:t> = 0; </a:t>
             </a:r>
             <a:r>
-              <a:rPr lang="en-IN" dirty="0" err="1" smtClean="0"/>
+              <a:rPr lang="en-IN" dirty="0" err="1"/>
               <a:t>i</a:t>
             </a:r>
             <a:r>
-              <a:rPr lang="en-IN" dirty="0" smtClean="0"/>
+              <a:rPr lang="en-IN" dirty="0"/>
               <a:t> &lt; </a:t>
             </a:r>
             <a:r>
-              <a:rPr lang="en-IN" dirty="0" err="1" smtClean="0"/>
+              <a:rPr lang="en-IN" dirty="0" err="1"/>
               <a:t>num</a:t>
             </a:r>
             <a:r>
-              <a:rPr lang="en-IN" dirty="0" smtClean="0"/>
+              <a:rPr lang="en-IN" dirty="0"/>
               <a:t>; ++</a:t>
             </a:r>
             <a:r>
-              <a:rPr lang="en-IN" dirty="0" err="1" smtClean="0"/>
+              <a:rPr lang="en-IN" dirty="0" err="1"/>
               <a:t>i</a:t>
             </a:r>
             <a:r>
-              <a:rPr lang="en-IN" dirty="0" smtClean="0"/>
+              <a:rPr lang="en-IN" dirty="0"/>
               <a:t>)</a:t>
             </a:r>
           </a:p>
@@ -6675,7 +6648,7 @@
               <a:buNone/>
             </a:pPr>
             <a:r>
-              <a:rPr lang="en-IN" dirty="0" smtClean="0"/>
+              <a:rPr lang="en-IN" dirty="0"/>
               <a:t>    {</a:t>
             </a:r>
           </a:p>
@@ -6684,31 +6657,31 @@
               <a:buNone/>
             </a:pPr>
             <a:r>
-              <a:rPr lang="en-IN" dirty="0" smtClean="0"/>
+              <a:rPr lang="en-IN" dirty="0"/>
               <a:t>        </a:t>
             </a:r>
             <a:r>
-              <a:rPr lang="en-IN" dirty="0" err="1" smtClean="0"/>
+              <a:rPr lang="en-IN" dirty="0" err="1"/>
               <a:t>scanf</a:t>
             </a:r>
             <a:r>
-              <a:rPr lang="en-IN" dirty="0" smtClean="0"/>
+              <a:rPr lang="en-IN" dirty="0"/>
               <a:t>("%d", </a:t>
             </a:r>
             <a:r>
-              <a:rPr lang="en-IN" dirty="0" err="1" smtClean="0"/>
+              <a:rPr lang="en-IN" dirty="0" err="1"/>
               <a:t>ptr</a:t>
             </a:r>
             <a:r>
-              <a:rPr lang="en-IN" dirty="0" smtClean="0"/>
+              <a:rPr lang="en-IN" dirty="0"/>
               <a:t> + </a:t>
             </a:r>
             <a:r>
-              <a:rPr lang="en-IN" dirty="0" err="1" smtClean="0"/>
+              <a:rPr lang="en-IN" dirty="0" err="1"/>
               <a:t>i</a:t>
             </a:r>
             <a:r>
-              <a:rPr lang="en-IN" dirty="0" smtClean="0"/>
+              <a:rPr lang="en-IN" dirty="0"/>
               <a:t>);</a:t>
             </a:r>
           </a:p>
@@ -6717,23 +6690,23 @@
               <a:buNone/>
             </a:pPr>
             <a:r>
-              <a:rPr lang="en-IN" dirty="0" smtClean="0"/>
+              <a:rPr lang="en-IN" dirty="0"/>
               <a:t>        sum += *(</a:t>
             </a:r>
             <a:r>
-              <a:rPr lang="en-IN" dirty="0" err="1" smtClean="0"/>
+              <a:rPr lang="en-IN" dirty="0" err="1"/>
               <a:t>ptr</a:t>
             </a:r>
             <a:r>
-              <a:rPr lang="en-IN" dirty="0" smtClean="0"/>
+              <a:rPr lang="en-IN" dirty="0"/>
               <a:t> + </a:t>
             </a:r>
             <a:r>
-              <a:rPr lang="en-IN" dirty="0" err="1" smtClean="0"/>
+              <a:rPr lang="en-IN" dirty="0" err="1"/>
               <a:t>i</a:t>
             </a:r>
             <a:r>
-              <a:rPr lang="en-IN" dirty="0" smtClean="0"/>
+              <a:rPr lang="en-IN" dirty="0"/>
               <a:t>);</a:t>
             </a:r>
           </a:p>
@@ -6742,7 +6715,7 @@
               <a:buNone/>
             </a:pPr>
             <a:r>
-              <a:rPr lang="en-IN" dirty="0" smtClean="0"/>
+              <a:rPr lang="en-IN" dirty="0"/>
               <a:t>    }</a:t>
             </a:r>
           </a:p>
@@ -6750,22 +6723,22 @@
             <a:pPr marL="0" indent="0">
               <a:buNone/>
             </a:pPr>
-            <a:endParaRPr lang="en-IN" dirty="0" smtClean="0"/>
-          </a:p>
-          <a:p>
-            <a:pPr marL="0" indent="0">
-              <a:buNone/>
-            </a:pPr>
-            <a:r>
-              <a:rPr lang="en-IN" dirty="0" smtClean="0"/>
+            <a:endParaRPr lang="en-IN" dirty="0"/>
+          </a:p>
+          <a:p>
+            <a:pPr marL="0" indent="0">
+              <a:buNone/>
+            </a:pPr>
+            <a:r>
+              <a:rPr lang="en-IN" dirty="0"/>
               <a:t>    </a:t>
             </a:r>
             <a:r>
-              <a:rPr lang="en-IN" dirty="0" err="1" smtClean="0"/>
+              <a:rPr lang="en-IN" dirty="0" err="1"/>
               <a:t>printf</a:t>
             </a:r>
             <a:r>
-              <a:rPr lang="en-IN" dirty="0" smtClean="0"/>
+              <a:rPr lang="en-IN" dirty="0"/>
               <a:t>("Sum = %d", sum);</a:t>
             </a:r>
           </a:p>
@@ -6774,15 +6747,15 @@
               <a:buNone/>
             </a:pPr>
             <a:r>
-              <a:rPr lang="en-IN" dirty="0" smtClean="0"/>
+              <a:rPr lang="en-IN" dirty="0"/>
               <a:t>    free(</a:t>
             </a:r>
             <a:r>
-              <a:rPr lang="en-IN" dirty="0" err="1" smtClean="0"/>
+              <a:rPr lang="en-IN" dirty="0" err="1"/>
               <a:t>ptr</a:t>
             </a:r>
             <a:r>
-              <a:rPr lang="en-IN" dirty="0" smtClean="0"/>
+              <a:rPr lang="en-IN" dirty="0"/>
               <a:t>);</a:t>
             </a:r>
           </a:p>
@@ -6791,7 +6764,7 @@
               <a:buNone/>
             </a:pPr>
             <a:r>
-              <a:rPr lang="en-IN" dirty="0" smtClean="0"/>
+              <a:rPr lang="en-IN" dirty="0"/>
               <a:t>    return 0;</a:t>
             </a:r>
           </a:p>
@@ -6800,10 +6773,9 @@
               <a:buNone/>
             </a:pPr>
             <a:r>
-              <a:rPr lang="en-IN" dirty="0" smtClean="0"/>
+              <a:rPr lang="en-IN" dirty="0"/>
               <a:t>}</a:t>
             </a:r>
-            <a:endParaRPr lang="en-IN" dirty="0"/>
           </a:p>
         </p:txBody>
       </p:sp>
@@ -6859,7 +6831,7 @@
               <a:t>realloc</a:t>
             </a:r>
             <a:r>
-              <a:rPr lang="en-IN" b="1" dirty="0" smtClean="0"/>
+              <a:rPr lang="en-IN" b="1" dirty="0"/>
               <a:t>()</a:t>
             </a:r>
             <a:endParaRPr lang="en-IN" dirty="0"/>
@@ -6882,32 +6854,32 @@
           <a:lstStyle/>
           <a:p>
             <a:r>
-              <a:rPr lang="en-IN" dirty="0" smtClean="0"/>
+              <a:rPr lang="en-IN" dirty="0"/>
               <a:t>If the previously allocated memory is insufficient or more than required, you can change the previously allocated memory size using </a:t>
             </a:r>
             <a:r>
-              <a:rPr lang="en-IN" dirty="0" err="1" smtClean="0"/>
+              <a:rPr lang="en-IN" dirty="0" err="1"/>
               <a:t>realloc</a:t>
             </a:r>
             <a:r>
-              <a:rPr lang="en-IN" dirty="0" smtClean="0"/>
+              <a:rPr lang="en-IN" dirty="0"/>
               <a:t>().</a:t>
             </a:r>
           </a:p>
           <a:p>
-            <a:endParaRPr lang="en-IN" dirty="0" smtClean="0"/>
-          </a:p>
-          <a:p>
-            <a:r>
-              <a:rPr lang="en-IN" dirty="0" smtClean="0"/>
+            <a:endParaRPr lang="en-IN" dirty="0"/>
+          </a:p>
+          <a:p>
+            <a:r>
+              <a:rPr lang="en-IN" dirty="0"/>
               <a:t>Syntax of </a:t>
             </a:r>
             <a:r>
-              <a:rPr lang="en-IN" dirty="0" err="1" smtClean="0"/>
+              <a:rPr lang="en-IN" dirty="0" err="1"/>
               <a:t>realloc</a:t>
             </a:r>
             <a:r>
-              <a:rPr lang="en-IN" dirty="0" smtClean="0"/>
+              <a:rPr lang="en-IN" dirty="0"/>
               <a:t>()</a:t>
             </a:r>
           </a:p>
@@ -6916,11 +6888,11 @@
               <a:buNone/>
             </a:pPr>
             <a:r>
-              <a:rPr lang="en-IN" dirty="0" smtClean="0"/>
+              <a:rPr lang="en-IN" dirty="0"/>
               <a:t>	</a:t>
             </a:r>
             <a:r>
-              <a:rPr lang="en-IN" dirty="0" err="1" smtClean="0">
+              <a:rPr lang="en-IN" dirty="0" err="1">
                 <a:solidFill>
                   <a:srgbClr val="FF0000"/>
                 </a:solidFill>
@@ -6928,7 +6900,7 @@
               <a:t>ptr</a:t>
             </a:r>
             <a:r>
-              <a:rPr lang="en-IN" dirty="0" smtClean="0">
+              <a:rPr lang="en-IN" dirty="0">
                 <a:solidFill>
                   <a:srgbClr val="FF0000"/>
                 </a:solidFill>
@@ -6936,7 +6908,7 @@
               <a:t> = </a:t>
             </a:r>
             <a:r>
-              <a:rPr lang="en-IN" dirty="0" err="1" smtClean="0">
+              <a:rPr lang="en-IN" dirty="0" err="1">
                 <a:solidFill>
                   <a:srgbClr val="FF0000"/>
                 </a:solidFill>
@@ -6944,7 +6916,7 @@
               <a:t>realloc</a:t>
             </a:r>
             <a:r>
-              <a:rPr lang="en-IN" dirty="0" smtClean="0">
+              <a:rPr lang="en-IN" dirty="0">
                 <a:solidFill>
                   <a:srgbClr val="FF0000"/>
                 </a:solidFill>
@@ -6952,7 +6924,7 @@
               <a:t>(</a:t>
             </a:r>
             <a:r>
-              <a:rPr lang="en-IN" dirty="0" err="1" smtClean="0">
+              <a:rPr lang="en-IN" dirty="0" err="1">
                 <a:solidFill>
                   <a:srgbClr val="FF0000"/>
                 </a:solidFill>
@@ -6960,7 +6932,7 @@
               <a:t>ptr</a:t>
             </a:r>
             <a:r>
-              <a:rPr lang="en-IN" dirty="0" smtClean="0">
+              <a:rPr lang="en-IN" dirty="0">
                 <a:solidFill>
                   <a:srgbClr val="FF0000"/>
                 </a:solidFill>
@@ -6968,7 +6940,7 @@
               <a:t>, </a:t>
             </a:r>
             <a:r>
-              <a:rPr lang="en-IN" dirty="0" err="1" smtClean="0">
+              <a:rPr lang="en-IN" dirty="0" err="1">
                 <a:solidFill>
                   <a:srgbClr val="FF0000"/>
                 </a:solidFill>
@@ -6976,18 +6948,13 @@
               <a:t>newsize</a:t>
             </a:r>
             <a:r>
-              <a:rPr lang="en-IN" dirty="0" smtClean="0">
+              <a:rPr lang="en-IN" dirty="0">
                 <a:solidFill>
                   <a:srgbClr val="FF0000"/>
                 </a:solidFill>
               </a:rPr>
               <a:t>);</a:t>
             </a:r>
-            <a:endParaRPr lang="en-IN" dirty="0">
-              <a:solidFill>
-                <a:srgbClr val="FF0000"/>
-              </a:solidFill>
-            </a:endParaRPr>
           </a:p>
         </p:txBody>
       </p:sp>
@@ -7052,10 +7019,9 @@
               <a:t>realloc</a:t>
             </a:r>
             <a:r>
-              <a:rPr lang="en-IN" dirty="0" smtClean="0"/>
+              <a:rPr lang="en-IN" dirty="0"/>
               <a:t>()</a:t>
             </a:r>
-            <a:endParaRPr lang="en-IN" dirty="0"/>
           </a:p>
         </p:txBody>
       </p:sp>
@@ -7085,15 +7051,15 @@
               <a:buNone/>
             </a:pPr>
             <a:r>
-              <a:rPr lang="en-IN" dirty="0" smtClean="0"/>
+              <a:rPr lang="en-IN" dirty="0"/>
               <a:t>#include &lt;</a:t>
             </a:r>
             <a:r>
-              <a:rPr lang="en-IN" dirty="0" err="1" smtClean="0"/>
+              <a:rPr lang="en-IN" dirty="0" err="1"/>
               <a:t>stdio.h</a:t>
             </a:r>
             <a:r>
-              <a:rPr lang="en-IN" dirty="0" smtClean="0"/>
+              <a:rPr lang="en-IN" dirty="0"/>
               <a:t>&gt;</a:t>
             </a:r>
           </a:p>
@@ -7102,15 +7068,15 @@
               <a:buNone/>
             </a:pPr>
             <a:r>
-              <a:rPr lang="en-IN" dirty="0" smtClean="0"/>
+              <a:rPr lang="en-IN" dirty="0"/>
               <a:t>#include &lt;</a:t>
             </a:r>
             <a:r>
-              <a:rPr lang="en-IN" dirty="0" err="1" smtClean="0"/>
+              <a:rPr lang="en-IN" dirty="0" err="1"/>
               <a:t>stdlib.h</a:t>
             </a:r>
             <a:r>
-              <a:rPr lang="en-IN" dirty="0" smtClean="0"/>
+              <a:rPr lang="en-IN" dirty="0"/>
               <a:t>&gt;</a:t>
             </a:r>
           </a:p>
@@ -7118,18 +7084,18 @@
             <a:pPr marL="0" indent="0">
               <a:buNone/>
             </a:pPr>
-            <a:endParaRPr lang="en-IN" dirty="0" smtClean="0"/>
-          </a:p>
-          <a:p>
-            <a:pPr marL="0" indent="0">
-              <a:buNone/>
-            </a:pPr>
-            <a:r>
-              <a:rPr lang="en-IN" dirty="0" err="1" smtClean="0"/>
+            <a:endParaRPr lang="en-IN" dirty="0"/>
+          </a:p>
+          <a:p>
+            <a:pPr marL="0" indent="0">
+              <a:buNone/>
+            </a:pPr>
+            <a:r>
+              <a:rPr lang="en-IN" dirty="0" err="1"/>
               <a:t>int</a:t>
             </a:r>
             <a:r>
-              <a:rPr lang="en-IN" dirty="0" smtClean="0"/>
+              <a:rPr lang="en-IN" dirty="0"/>
               <a:t> main()</a:t>
             </a:r>
           </a:p>
@@ -7138,7 +7104,7 @@
               <a:buNone/>
             </a:pPr>
             <a:r>
-              <a:rPr lang="en-IN" dirty="0" smtClean="0"/>
+              <a:rPr lang="en-IN" dirty="0"/>
               <a:t>{</a:t>
             </a:r>
           </a:p>
@@ -7147,31 +7113,31 @@
               <a:buNone/>
             </a:pPr>
             <a:r>
-              <a:rPr lang="en-IN" dirty="0" smtClean="0"/>
+              <a:rPr lang="en-IN" dirty="0"/>
               <a:t>    </a:t>
             </a:r>
             <a:r>
-              <a:rPr lang="en-IN" dirty="0" err="1" smtClean="0"/>
+              <a:rPr lang="en-IN" dirty="0" err="1"/>
               <a:t>int</a:t>
             </a:r>
             <a:r>
-              <a:rPr lang="en-IN" dirty="0" smtClean="0"/>
+              <a:rPr lang="en-IN" dirty="0"/>
               <a:t> *</a:t>
             </a:r>
             <a:r>
-              <a:rPr lang="en-IN" dirty="0" err="1" smtClean="0"/>
+              <a:rPr lang="en-IN" dirty="0" err="1"/>
               <a:t>ptr</a:t>
             </a:r>
             <a:r>
-              <a:rPr lang="en-IN" dirty="0" smtClean="0"/>
+              <a:rPr lang="en-IN" dirty="0"/>
               <a:t>, </a:t>
             </a:r>
             <a:r>
-              <a:rPr lang="en-IN" dirty="0" err="1" smtClean="0"/>
+              <a:rPr lang="en-IN" dirty="0" err="1"/>
               <a:t>i</a:t>
             </a:r>
             <a:r>
-              <a:rPr lang="en-IN" dirty="0" smtClean="0"/>
+              <a:rPr lang="en-IN" dirty="0"/>
               <a:t> , n1, n2;</a:t>
             </a:r>
           </a:p>
@@ -7180,15 +7146,15 @@
               <a:buNone/>
             </a:pPr>
             <a:r>
-              <a:rPr lang="en-IN" dirty="0" smtClean="0"/>
+              <a:rPr lang="en-IN" dirty="0"/>
               <a:t>    </a:t>
             </a:r>
             <a:r>
-              <a:rPr lang="en-IN" dirty="0" err="1" smtClean="0"/>
+              <a:rPr lang="en-IN" dirty="0" err="1"/>
               <a:t>printf</a:t>
             </a:r>
             <a:r>
-              <a:rPr lang="en-IN" dirty="0" smtClean="0"/>
+              <a:rPr lang="en-IN" dirty="0"/>
               <a:t>("Enter size of array: ");</a:t>
             </a:r>
           </a:p>
@@ -7197,15 +7163,15 @@
               <a:buNone/>
             </a:pPr>
             <a:r>
-              <a:rPr lang="en-IN" dirty="0" smtClean="0"/>
+              <a:rPr lang="en-IN" dirty="0"/>
               <a:t>    </a:t>
             </a:r>
             <a:r>
-              <a:rPr lang="en-IN" dirty="0" err="1" smtClean="0"/>
+              <a:rPr lang="en-IN" dirty="0" err="1"/>
               <a:t>scanf</a:t>
             </a:r>
             <a:r>
-              <a:rPr lang="en-IN" dirty="0" smtClean="0"/>
+              <a:rPr lang="en-IN" dirty="0"/>
               <a:t>("%d", &amp;n1);</a:t>
             </a:r>
           </a:p>
@@ -7213,54 +7179,54 @@
             <a:pPr marL="0" indent="0">
               <a:buNone/>
             </a:pPr>
-            <a:endParaRPr lang="en-IN" dirty="0" smtClean="0"/>
-          </a:p>
-          <a:p>
-            <a:pPr marL="0" indent="0">
-              <a:buNone/>
-            </a:pPr>
-            <a:r>
-              <a:rPr lang="en-IN" dirty="0" smtClean="0"/>
+            <a:endParaRPr lang="en-IN" dirty="0"/>
+          </a:p>
+          <a:p>
+            <a:pPr marL="0" indent="0">
+              <a:buNone/>
+            </a:pPr>
+            <a:r>
+              <a:rPr lang="en-IN" dirty="0"/>
               <a:t>    </a:t>
             </a:r>
             <a:r>
-              <a:rPr lang="en-IN" b="1" dirty="0" err="1" smtClean="0"/>
+              <a:rPr lang="en-IN" b="1" dirty="0" err="1"/>
               <a:t>ptr</a:t>
             </a:r>
             <a:r>
-              <a:rPr lang="en-IN" b="1" dirty="0" smtClean="0"/>
+              <a:rPr lang="en-IN" b="1" dirty="0"/>
               <a:t> = (</a:t>
             </a:r>
             <a:r>
-              <a:rPr lang="en-IN" b="1" dirty="0" err="1" smtClean="0"/>
+              <a:rPr lang="en-IN" b="1" dirty="0" err="1"/>
               <a:t>int</a:t>
             </a:r>
             <a:r>
-              <a:rPr lang="en-IN" b="1" dirty="0" smtClean="0"/>
+              <a:rPr lang="en-IN" b="1" dirty="0"/>
               <a:t>*) </a:t>
             </a:r>
             <a:r>
-              <a:rPr lang="en-IN" b="1" dirty="0" err="1" smtClean="0"/>
+              <a:rPr lang="en-IN" b="1" dirty="0" err="1"/>
               <a:t>malloc</a:t>
             </a:r>
             <a:r>
-              <a:rPr lang="en-IN" b="1" dirty="0" smtClean="0"/>
+              <a:rPr lang="en-IN" b="1" dirty="0"/>
               <a:t>(n1 * </a:t>
             </a:r>
             <a:r>
-              <a:rPr lang="en-IN" b="1" dirty="0" err="1" smtClean="0"/>
+              <a:rPr lang="en-IN" b="1" dirty="0" err="1"/>
               <a:t>sizeof</a:t>
             </a:r>
             <a:r>
-              <a:rPr lang="en-IN" b="1" dirty="0" smtClean="0"/>
+              <a:rPr lang="en-IN" b="1" dirty="0"/>
               <a:t>(</a:t>
             </a:r>
             <a:r>
-              <a:rPr lang="en-IN" b="1" dirty="0" err="1" smtClean="0"/>
+              <a:rPr lang="en-IN" b="1" dirty="0" err="1"/>
               <a:t>int</a:t>
             </a:r>
             <a:r>
-              <a:rPr lang="en-IN" b="1" dirty="0" smtClean="0"/>
+              <a:rPr lang="en-IN" b="1" dirty="0"/>
               <a:t>));</a:t>
             </a:r>
           </a:p>
@@ -7268,22 +7234,22 @@
             <a:pPr marL="0" indent="0">
               <a:buNone/>
             </a:pPr>
-            <a:endParaRPr lang="en-IN" dirty="0" smtClean="0"/>
-          </a:p>
-          <a:p>
-            <a:pPr marL="0" indent="0">
-              <a:buNone/>
-            </a:pPr>
-            <a:r>
-              <a:rPr lang="en-IN" dirty="0" smtClean="0"/>
+            <a:endParaRPr lang="en-IN" dirty="0"/>
+          </a:p>
+          <a:p>
+            <a:pPr marL="0" indent="0">
+              <a:buNone/>
+            </a:pPr>
+            <a:r>
+              <a:rPr lang="en-IN" dirty="0"/>
               <a:t>    </a:t>
             </a:r>
             <a:r>
-              <a:rPr lang="en-IN" dirty="0" err="1" smtClean="0"/>
+              <a:rPr lang="en-IN" dirty="0" err="1"/>
               <a:t>printf</a:t>
             </a:r>
             <a:r>
-              <a:rPr lang="en-IN" dirty="0" smtClean="0"/>
+              <a:rPr lang="en-IN" dirty="0"/>
               <a:t>("Address of previously allocated memory: ");</a:t>
             </a:r>
           </a:p>
@@ -7292,31 +7258,31 @@
               <a:buNone/>
             </a:pPr>
             <a:r>
-              <a:rPr lang="en-IN" dirty="0" smtClean="0"/>
+              <a:rPr lang="en-IN" dirty="0"/>
               <a:t>    for(</a:t>
             </a:r>
             <a:r>
-              <a:rPr lang="en-IN" dirty="0" err="1" smtClean="0"/>
+              <a:rPr lang="en-IN" dirty="0" err="1"/>
               <a:t>i</a:t>
             </a:r>
             <a:r>
-              <a:rPr lang="en-IN" dirty="0" smtClean="0"/>
+              <a:rPr lang="en-IN" dirty="0"/>
               <a:t> = 0; </a:t>
             </a:r>
             <a:r>
-              <a:rPr lang="en-IN" dirty="0" err="1" smtClean="0"/>
+              <a:rPr lang="en-IN" dirty="0" err="1"/>
               <a:t>i</a:t>
             </a:r>
             <a:r>
-              <a:rPr lang="en-IN" dirty="0" smtClean="0"/>
+              <a:rPr lang="en-IN" dirty="0"/>
               <a:t> &lt; n1; ++</a:t>
             </a:r>
             <a:r>
-              <a:rPr lang="en-IN" dirty="0" err="1" smtClean="0"/>
+              <a:rPr lang="en-IN" dirty="0" err="1"/>
               <a:t>i</a:t>
             </a:r>
             <a:r>
-              <a:rPr lang="en-IN" dirty="0" smtClean="0"/>
+              <a:rPr lang="en-IN" dirty="0"/>
               <a:t>)</a:t>
             </a:r>
           </a:p>
@@ -7325,31 +7291,31 @@
               <a:buNone/>
             </a:pPr>
             <a:r>
-              <a:rPr lang="en-IN" dirty="0" smtClean="0"/>
+              <a:rPr lang="en-IN" dirty="0"/>
               <a:t>         </a:t>
             </a:r>
             <a:r>
-              <a:rPr lang="en-IN" dirty="0" err="1" smtClean="0"/>
+              <a:rPr lang="en-IN" dirty="0" err="1"/>
               <a:t>printf</a:t>
             </a:r>
             <a:r>
-              <a:rPr lang="en-IN" dirty="0" smtClean="0"/>
+              <a:rPr lang="en-IN" dirty="0"/>
               <a:t>("%u\t",</a:t>
             </a:r>
             <a:r>
-              <a:rPr lang="en-IN" dirty="0" err="1" smtClean="0"/>
+              <a:rPr lang="en-IN" dirty="0" err="1"/>
               <a:t>ptr</a:t>
             </a:r>
             <a:r>
-              <a:rPr lang="en-IN" dirty="0" smtClean="0"/>
+              <a:rPr lang="en-IN" dirty="0"/>
               <a:t> + </a:t>
             </a:r>
             <a:r>
-              <a:rPr lang="en-IN" dirty="0" err="1" smtClean="0"/>
+              <a:rPr lang="en-IN" dirty="0" err="1"/>
               <a:t>i</a:t>
             </a:r>
             <a:r>
-              <a:rPr lang="en-IN" dirty="0" smtClean="0"/>
+              <a:rPr lang="en-IN" dirty="0"/>
               <a:t>);</a:t>
             </a:r>
           </a:p>
@@ -7357,17 +7323,16 @@
             <a:pPr marL="0" indent="0">
               <a:buNone/>
             </a:pPr>
-            <a:endParaRPr lang="en-IN" dirty="0" smtClean="0"/>
-          </a:p>
-          <a:p>
-            <a:pPr marL="0" indent="0">
-              <a:buNone/>
-            </a:pPr>
-            <a:r>
-              <a:rPr lang="en-IN" dirty="0" smtClean="0"/>
+            <a:endParaRPr lang="en-IN" dirty="0"/>
+          </a:p>
+          <a:p>
+            <a:pPr marL="0" indent="0">
+              <a:buNone/>
+            </a:pPr>
+            <a:r>
+              <a:rPr lang="en-IN" dirty="0"/>
               <a:t>    </a:t>
             </a:r>
-            <a:endParaRPr lang="en-IN" dirty="0"/>
           </a:p>
         </p:txBody>
       </p:sp>
@@ -7397,19 +7362,19 @@
               <a:buNone/>
             </a:pPr>
             <a:r>
-              <a:rPr lang="en-IN" dirty="0" err="1" smtClean="0"/>
+              <a:rPr lang="en-IN" dirty="0" err="1"/>
               <a:t>printf</a:t>
             </a:r>
             <a:r>
-              <a:rPr lang="en-IN" dirty="0" smtClean="0"/>
+              <a:rPr lang="en-IN" dirty="0"/>
               <a:t>("\</a:t>
             </a:r>
             <a:r>
-              <a:rPr lang="en-IN" dirty="0" err="1" smtClean="0"/>
+              <a:rPr lang="en-IN" dirty="0" err="1"/>
               <a:t>nEnter</a:t>
             </a:r>
             <a:r>
-              <a:rPr lang="en-IN" dirty="0" smtClean="0"/>
+              <a:rPr lang="en-IN" dirty="0"/>
               <a:t> new size of array: ");</a:t>
             </a:r>
           </a:p>
@@ -7418,15 +7383,15 @@
               <a:buNone/>
             </a:pPr>
             <a:r>
-              <a:rPr lang="en-IN" dirty="0" smtClean="0"/>
+              <a:rPr lang="en-IN" dirty="0"/>
               <a:t>    </a:t>
             </a:r>
             <a:r>
-              <a:rPr lang="en-IN" dirty="0" err="1" smtClean="0"/>
+              <a:rPr lang="en-IN" dirty="0" err="1"/>
               <a:t>scanf</a:t>
             </a:r>
             <a:r>
-              <a:rPr lang="en-IN" dirty="0" smtClean="0"/>
+              <a:rPr lang="en-IN" dirty="0"/>
               <a:t>("%d", &amp;n2);</a:t>
             </a:r>
           </a:p>
@@ -7434,38 +7399,38 @@
             <a:pPr marL="0" indent="0">
               <a:buNone/>
             </a:pPr>
-            <a:endParaRPr lang="en-IN" dirty="0" smtClean="0"/>
-          </a:p>
-          <a:p>
-            <a:pPr marL="0" indent="0">
-              <a:buNone/>
-            </a:pPr>
-            <a:r>
-              <a:rPr lang="en-IN" b="1" dirty="0" smtClean="0"/>
+            <a:endParaRPr lang="en-IN" dirty="0"/>
+          </a:p>
+          <a:p>
+            <a:pPr marL="0" indent="0">
+              <a:buNone/>
+            </a:pPr>
+            <a:r>
+              <a:rPr lang="en-IN" b="1" dirty="0"/>
               <a:t>    </a:t>
             </a:r>
             <a:r>
-              <a:rPr lang="en-IN" b="1" dirty="0" err="1" smtClean="0"/>
+              <a:rPr lang="en-IN" b="1" dirty="0" err="1"/>
               <a:t>ptr</a:t>
             </a:r>
             <a:r>
-              <a:rPr lang="en-IN" b="1" dirty="0" smtClean="0"/>
+              <a:rPr lang="en-IN" b="1" dirty="0"/>
               <a:t> = </a:t>
             </a:r>
             <a:r>
-              <a:rPr lang="en-IN" b="1" dirty="0" err="1" smtClean="0"/>
+              <a:rPr lang="en-IN" b="1" dirty="0" err="1"/>
               <a:t>realloc</a:t>
             </a:r>
             <a:r>
-              <a:rPr lang="en-IN" b="1" dirty="0" smtClean="0"/>
+              <a:rPr lang="en-IN" b="1" dirty="0"/>
               <a:t>(</a:t>
             </a:r>
             <a:r>
-              <a:rPr lang="en-IN" b="1" dirty="0" err="1" smtClean="0"/>
+              <a:rPr lang="en-IN" b="1" dirty="0" err="1"/>
               <a:t>ptr</a:t>
             </a:r>
             <a:r>
-              <a:rPr lang="en-IN" b="1" dirty="0" smtClean="0"/>
+              <a:rPr lang="en-IN" b="1" dirty="0"/>
               <a:t>, n2);</a:t>
             </a:r>
           </a:p>
@@ -7473,38 +7438,38 @@
             <a:pPr marL="0" indent="0">
               <a:buNone/>
             </a:pPr>
-            <a:endParaRPr lang="en-IN" dirty="0" smtClean="0"/>
-          </a:p>
-          <a:p>
-            <a:pPr marL="0" indent="0">
-              <a:buNone/>
-            </a:pPr>
-            <a:r>
-              <a:rPr lang="en-IN" dirty="0" smtClean="0"/>
+            <a:endParaRPr lang="en-IN" dirty="0"/>
+          </a:p>
+          <a:p>
+            <a:pPr marL="0" indent="0">
+              <a:buNone/>
+            </a:pPr>
+            <a:r>
+              <a:rPr lang="en-IN" dirty="0"/>
               <a:t>    for(</a:t>
             </a:r>
             <a:r>
-              <a:rPr lang="en-IN" dirty="0" err="1" smtClean="0"/>
+              <a:rPr lang="en-IN" dirty="0" err="1"/>
               <a:t>i</a:t>
             </a:r>
             <a:r>
-              <a:rPr lang="en-IN" dirty="0" smtClean="0"/>
+              <a:rPr lang="en-IN" dirty="0"/>
               <a:t> = 0; </a:t>
             </a:r>
             <a:r>
-              <a:rPr lang="en-IN" dirty="0" err="1" smtClean="0"/>
+              <a:rPr lang="en-IN" dirty="0" err="1"/>
               <a:t>i</a:t>
             </a:r>
             <a:r>
-              <a:rPr lang="en-IN" dirty="0" smtClean="0"/>
+              <a:rPr lang="en-IN" dirty="0"/>
               <a:t> &lt; n2; ++</a:t>
             </a:r>
             <a:r>
-              <a:rPr lang="en-IN" dirty="0" err="1" smtClean="0"/>
+              <a:rPr lang="en-IN" dirty="0" err="1"/>
               <a:t>i</a:t>
             </a:r>
             <a:r>
-              <a:rPr lang="en-IN" dirty="0" smtClean="0"/>
+              <a:rPr lang="en-IN" dirty="0"/>
               <a:t>)</a:t>
             </a:r>
           </a:p>
@@ -7513,31 +7478,31 @@
               <a:buNone/>
             </a:pPr>
             <a:r>
-              <a:rPr lang="en-IN" dirty="0" smtClean="0"/>
+              <a:rPr lang="en-IN" dirty="0"/>
               <a:t>         </a:t>
             </a:r>
             <a:r>
-              <a:rPr lang="en-IN" dirty="0" err="1" smtClean="0"/>
+              <a:rPr lang="en-IN" dirty="0" err="1"/>
               <a:t>printf</a:t>
             </a:r>
             <a:r>
-              <a:rPr lang="en-IN" dirty="0" smtClean="0"/>
+              <a:rPr lang="en-IN" dirty="0"/>
               <a:t>("%u\t", </a:t>
             </a:r>
             <a:r>
-              <a:rPr lang="en-IN" dirty="0" err="1" smtClean="0"/>
+              <a:rPr lang="en-IN" dirty="0" err="1"/>
               <a:t>ptr</a:t>
             </a:r>
             <a:r>
-              <a:rPr lang="en-IN" dirty="0" smtClean="0"/>
+              <a:rPr lang="en-IN" dirty="0"/>
               <a:t> + </a:t>
             </a:r>
             <a:r>
-              <a:rPr lang="en-IN" dirty="0" err="1" smtClean="0"/>
+              <a:rPr lang="en-IN" dirty="0" err="1"/>
               <a:t>i</a:t>
             </a:r>
             <a:r>
-              <a:rPr lang="en-IN" dirty="0" smtClean="0"/>
+              <a:rPr lang="en-IN" dirty="0"/>
               <a:t>);</a:t>
             </a:r>
           </a:p>
@@ -7546,7 +7511,7 @@
               <a:buNone/>
             </a:pPr>
             <a:r>
-              <a:rPr lang="en-IN" dirty="0" smtClean="0"/>
+              <a:rPr lang="en-IN" dirty="0"/>
               <a:t>    return 0;</a:t>
             </a:r>
           </a:p>
@@ -7555,7 +7520,7 @@
               <a:buNone/>
             </a:pPr>
             <a:r>
-              <a:rPr lang="en-IN" dirty="0" smtClean="0"/>
+              <a:rPr lang="en-IN" dirty="0"/>
               <a:t>}</a:t>
             </a:r>
           </a:p>
